--- a/98_plan/just.pptx
+++ b/98_plan/just.pptx
@@ -4,9 +4,12 @@
   <p:sldMasterIdLst>
     <p:sldMasterId id="2147483648" r:id="rId1"/>
   </p:sldMasterIdLst>
+  <p:notesMasterIdLst>
+    <p:notesMasterId r:id="rId4"/>
+  </p:notesMasterIdLst>
   <p:sldIdLst>
-    <p:sldId id="260" r:id="rId2"/>
-    <p:sldId id="261" r:id="rId3"/>
+    <p:sldId id="261" r:id="rId2"/>
+    <p:sldId id="260" r:id="rId3"/>
   </p:sldIdLst>
   <p:sldSz cx="12192000" cy="6858000"/>
   <p:notesSz cx="6858000" cy="9144000"/>
@@ -105,7 +108,477 @@
       </a:defRPr>
     </a:lvl9pPr>
   </p:defaultTextStyle>
+  <p:extLst>
+    <p:ext uri="{EFAFB233-063F-42B5-8137-9DF3F51BA10A}">
+      <p15:sldGuideLst xmlns:p15="http://schemas.microsoft.com/office/powerpoint/2012/main"/>
+    </p:ext>
+  </p:extLst>
 </p:presentation>
+</file>
+
+<file path=ppt/notesMasters/notesMaster1.xml><?xml version="1.0" encoding="utf-8"?>
+<p:notesMaster xmlns:a="http://schemas.openxmlformats.org/drawingml/2006/main" xmlns:r="http://schemas.openxmlformats.org/officeDocument/2006/relationships" xmlns:p="http://schemas.openxmlformats.org/presentationml/2006/main">
+  <p:cSld>
+    <p:bg>
+      <p:bgRef idx="1001">
+        <a:schemeClr val="bg1"/>
+      </p:bgRef>
+    </p:bg>
+    <p:spTree>
+      <p:nvGrpSpPr>
+        <p:cNvPr id="1" name=""/>
+        <p:cNvGrpSpPr/>
+        <p:nvPr/>
+      </p:nvGrpSpPr>
+      <p:grpSpPr>
+        <a:xfrm>
+          <a:off x="0" y="0"/>
+          <a:ext cx="0" cy="0"/>
+          <a:chOff x="0" y="0"/>
+          <a:chExt cx="0" cy="0"/>
+        </a:xfrm>
+      </p:grpSpPr>
+      <p:sp>
+        <p:nvSpPr>
+          <p:cNvPr id="2" name="ヘッダー プレースホルダー 1"/>
+          <p:cNvSpPr>
+            <a:spLocks noGrp="1"/>
+          </p:cNvSpPr>
+          <p:nvPr>
+            <p:ph type="hdr" sz="quarter"/>
+          </p:nvPr>
+        </p:nvSpPr>
+        <p:spPr>
+          <a:xfrm>
+            <a:off x="0" y="0"/>
+            <a:ext cx="2971800" cy="458788"/>
+          </a:xfrm>
+          <a:prstGeom prst="rect">
+            <a:avLst/>
+          </a:prstGeom>
+        </p:spPr>
+        <p:txBody>
+          <a:bodyPr vert="horz" lIns="91440" tIns="45720" rIns="91440" bIns="45720" rtlCol="0"/>
+          <a:lstStyle>
+            <a:lvl1pPr algn="l">
+              <a:defRPr sz="1200"/>
+            </a:lvl1pPr>
+          </a:lstStyle>
+          <a:p>
+            <a:endParaRPr kumimoji="1" lang="ja-JP" altLang="en-US"/>
+          </a:p>
+        </p:txBody>
+      </p:sp>
+      <p:sp>
+        <p:nvSpPr>
+          <p:cNvPr id="3" name="日付プレースホルダー 2"/>
+          <p:cNvSpPr>
+            <a:spLocks noGrp="1"/>
+          </p:cNvSpPr>
+          <p:nvPr>
+            <p:ph type="dt" idx="1"/>
+          </p:nvPr>
+        </p:nvSpPr>
+        <p:spPr>
+          <a:xfrm>
+            <a:off x="3884613" y="0"/>
+            <a:ext cx="2971800" cy="458788"/>
+          </a:xfrm>
+          <a:prstGeom prst="rect">
+            <a:avLst/>
+          </a:prstGeom>
+        </p:spPr>
+        <p:txBody>
+          <a:bodyPr vert="horz" lIns="91440" tIns="45720" rIns="91440" bIns="45720" rtlCol="0"/>
+          <a:lstStyle>
+            <a:lvl1pPr algn="r">
+              <a:defRPr sz="1200"/>
+            </a:lvl1pPr>
+          </a:lstStyle>
+          <a:p>
+            <a:fld id="{BF2E0279-5649-42D9-86F9-83EB2627AF65}" type="datetimeFigureOut">
+              <a:rPr kumimoji="1" lang="ja-JP" altLang="en-US" smtClean="0"/>
+              <a:t>2024/4/23</a:t>
+            </a:fld>
+            <a:endParaRPr kumimoji="1" lang="ja-JP" altLang="en-US"/>
+          </a:p>
+        </p:txBody>
+      </p:sp>
+      <p:sp>
+        <p:nvSpPr>
+          <p:cNvPr id="4" name="スライド イメージ プレースホルダー 3"/>
+          <p:cNvSpPr>
+            <a:spLocks noGrp="1" noRot="1" noChangeAspect="1"/>
+          </p:cNvSpPr>
+          <p:nvPr>
+            <p:ph type="sldImg" idx="2"/>
+          </p:nvPr>
+        </p:nvSpPr>
+        <p:spPr>
+          <a:xfrm>
+            <a:off x="685800" y="1143000"/>
+            <a:ext cx="5486400" cy="3086100"/>
+          </a:xfrm>
+          <a:prstGeom prst="rect">
+            <a:avLst/>
+          </a:prstGeom>
+          <a:noFill/>
+          <a:ln w="12700">
+            <a:solidFill>
+              <a:prstClr val="black"/>
+            </a:solidFill>
+          </a:ln>
+        </p:spPr>
+        <p:txBody>
+          <a:bodyPr vert="horz" lIns="91440" tIns="45720" rIns="91440" bIns="45720" rtlCol="0" anchor="ctr"/>
+          <a:lstStyle/>
+          <a:p>
+            <a:endParaRPr lang="ja-JP" altLang="en-US"/>
+          </a:p>
+        </p:txBody>
+      </p:sp>
+      <p:sp>
+        <p:nvSpPr>
+          <p:cNvPr id="5" name="ノート プレースホルダー 4"/>
+          <p:cNvSpPr>
+            <a:spLocks noGrp="1"/>
+          </p:cNvSpPr>
+          <p:nvPr>
+            <p:ph type="body" sz="quarter" idx="3"/>
+          </p:nvPr>
+        </p:nvSpPr>
+        <p:spPr>
+          <a:xfrm>
+            <a:off x="685800" y="4400550"/>
+            <a:ext cx="5486400" cy="3600450"/>
+          </a:xfrm>
+          <a:prstGeom prst="rect">
+            <a:avLst/>
+          </a:prstGeom>
+        </p:spPr>
+        <p:txBody>
+          <a:bodyPr vert="horz" lIns="91440" tIns="45720" rIns="91440" bIns="45720" rtlCol="0"/>
+          <a:lstStyle/>
+          <a:p>
+            <a:pPr lvl="0"/>
+            <a:r>
+              <a:rPr kumimoji="1" lang="ja-JP" altLang="en-US"/>
+              <a:t>マスター テキストの書式設定</a:t>
+            </a:r>
+          </a:p>
+          <a:p>
+            <a:pPr lvl="1"/>
+            <a:r>
+              <a:rPr kumimoji="1" lang="ja-JP" altLang="en-US"/>
+              <a:t>第 </a:t>
+            </a:r>
+            <a:r>
+              <a:rPr kumimoji="1" lang="en-US" altLang="ja-JP"/>
+              <a:t>2 </a:t>
+            </a:r>
+            <a:r>
+              <a:rPr kumimoji="1" lang="ja-JP" altLang="en-US"/>
+              <a:t>レベル</a:t>
+            </a:r>
+          </a:p>
+          <a:p>
+            <a:pPr lvl="2"/>
+            <a:r>
+              <a:rPr kumimoji="1" lang="ja-JP" altLang="en-US"/>
+              <a:t>第 </a:t>
+            </a:r>
+            <a:r>
+              <a:rPr kumimoji="1" lang="en-US" altLang="ja-JP"/>
+              <a:t>3 </a:t>
+            </a:r>
+            <a:r>
+              <a:rPr kumimoji="1" lang="ja-JP" altLang="en-US"/>
+              <a:t>レベル</a:t>
+            </a:r>
+          </a:p>
+          <a:p>
+            <a:pPr lvl="3"/>
+            <a:r>
+              <a:rPr kumimoji="1" lang="ja-JP" altLang="en-US"/>
+              <a:t>第 </a:t>
+            </a:r>
+            <a:r>
+              <a:rPr kumimoji="1" lang="en-US" altLang="ja-JP"/>
+              <a:t>4 </a:t>
+            </a:r>
+            <a:r>
+              <a:rPr kumimoji="1" lang="ja-JP" altLang="en-US"/>
+              <a:t>レベル</a:t>
+            </a:r>
+          </a:p>
+          <a:p>
+            <a:pPr lvl="4"/>
+            <a:r>
+              <a:rPr kumimoji="1" lang="ja-JP" altLang="en-US"/>
+              <a:t>第 </a:t>
+            </a:r>
+            <a:r>
+              <a:rPr kumimoji="1" lang="en-US" altLang="ja-JP"/>
+              <a:t>5 </a:t>
+            </a:r>
+            <a:r>
+              <a:rPr kumimoji="1" lang="ja-JP" altLang="en-US"/>
+              <a:t>レベル</a:t>
+            </a:r>
+          </a:p>
+        </p:txBody>
+      </p:sp>
+      <p:sp>
+        <p:nvSpPr>
+          <p:cNvPr id="6" name="フッター プレースホルダー 5"/>
+          <p:cNvSpPr>
+            <a:spLocks noGrp="1"/>
+          </p:cNvSpPr>
+          <p:nvPr>
+            <p:ph type="ftr" sz="quarter" idx="4"/>
+          </p:nvPr>
+        </p:nvSpPr>
+        <p:spPr>
+          <a:xfrm>
+            <a:off x="0" y="8685213"/>
+            <a:ext cx="2971800" cy="458787"/>
+          </a:xfrm>
+          <a:prstGeom prst="rect">
+            <a:avLst/>
+          </a:prstGeom>
+        </p:spPr>
+        <p:txBody>
+          <a:bodyPr vert="horz" lIns="91440" tIns="45720" rIns="91440" bIns="45720" rtlCol="0" anchor="b"/>
+          <a:lstStyle>
+            <a:lvl1pPr algn="l">
+              <a:defRPr sz="1200"/>
+            </a:lvl1pPr>
+          </a:lstStyle>
+          <a:p>
+            <a:endParaRPr kumimoji="1" lang="ja-JP" altLang="en-US"/>
+          </a:p>
+        </p:txBody>
+      </p:sp>
+      <p:sp>
+        <p:nvSpPr>
+          <p:cNvPr id="7" name="スライド番号プレースホルダー 6"/>
+          <p:cNvSpPr>
+            <a:spLocks noGrp="1"/>
+          </p:cNvSpPr>
+          <p:nvPr>
+            <p:ph type="sldNum" sz="quarter" idx="5"/>
+          </p:nvPr>
+        </p:nvSpPr>
+        <p:spPr>
+          <a:xfrm>
+            <a:off x="3884613" y="8685213"/>
+            <a:ext cx="2971800" cy="458787"/>
+          </a:xfrm>
+          <a:prstGeom prst="rect">
+            <a:avLst/>
+          </a:prstGeom>
+        </p:spPr>
+        <p:txBody>
+          <a:bodyPr vert="horz" lIns="91440" tIns="45720" rIns="91440" bIns="45720" rtlCol="0" anchor="b"/>
+          <a:lstStyle>
+            <a:lvl1pPr algn="r">
+              <a:defRPr sz="1200"/>
+            </a:lvl1pPr>
+          </a:lstStyle>
+          <a:p>
+            <a:fld id="{62FA7396-E123-4AF9-BCCC-B94F19BA8490}" type="slidenum">
+              <a:rPr kumimoji="1" lang="ja-JP" altLang="en-US" smtClean="0"/>
+              <a:t>‹#›</a:t>
+            </a:fld>
+            <a:endParaRPr kumimoji="1" lang="ja-JP" altLang="en-US"/>
+          </a:p>
+        </p:txBody>
+      </p:sp>
+    </p:spTree>
+    <p:extLst>
+      <p:ext uri="{BB962C8B-B14F-4D97-AF65-F5344CB8AC3E}">
+        <p14:creationId xmlns:p14="http://schemas.microsoft.com/office/powerpoint/2010/main" val="3837201826"/>
+      </p:ext>
+    </p:extLst>
+  </p:cSld>
+  <p:clrMap bg1="lt1" tx1="dk1" bg2="lt2" tx2="dk2" accent1="accent1" accent2="accent2" accent3="accent3" accent4="accent4" accent5="accent5" accent6="accent6" hlink="hlink" folHlink="folHlink"/>
+  <p:notesStyle>
+    <a:lvl1pPr marL="0" algn="l" defTabSz="914400" rtl="0" eaLnBrk="1" latinLnBrk="0" hangingPunct="1">
+      <a:defRPr kumimoji="1" sz="1200" kern="1200">
+        <a:solidFill>
+          <a:schemeClr val="tx1"/>
+        </a:solidFill>
+        <a:latin typeface="+mn-lt"/>
+        <a:ea typeface="+mn-ea"/>
+        <a:cs typeface="+mn-cs"/>
+      </a:defRPr>
+    </a:lvl1pPr>
+    <a:lvl2pPr marL="457200" algn="l" defTabSz="914400" rtl="0" eaLnBrk="1" latinLnBrk="0" hangingPunct="1">
+      <a:defRPr kumimoji="1" sz="1200" kern="1200">
+        <a:solidFill>
+          <a:schemeClr val="tx1"/>
+        </a:solidFill>
+        <a:latin typeface="+mn-lt"/>
+        <a:ea typeface="+mn-ea"/>
+        <a:cs typeface="+mn-cs"/>
+      </a:defRPr>
+    </a:lvl2pPr>
+    <a:lvl3pPr marL="914400" algn="l" defTabSz="914400" rtl="0" eaLnBrk="1" latinLnBrk="0" hangingPunct="1">
+      <a:defRPr kumimoji="1" sz="1200" kern="1200">
+        <a:solidFill>
+          <a:schemeClr val="tx1"/>
+        </a:solidFill>
+        <a:latin typeface="+mn-lt"/>
+        <a:ea typeface="+mn-ea"/>
+        <a:cs typeface="+mn-cs"/>
+      </a:defRPr>
+    </a:lvl3pPr>
+    <a:lvl4pPr marL="1371600" algn="l" defTabSz="914400" rtl="0" eaLnBrk="1" latinLnBrk="0" hangingPunct="1">
+      <a:defRPr kumimoji="1" sz="1200" kern="1200">
+        <a:solidFill>
+          <a:schemeClr val="tx1"/>
+        </a:solidFill>
+        <a:latin typeface="+mn-lt"/>
+        <a:ea typeface="+mn-ea"/>
+        <a:cs typeface="+mn-cs"/>
+      </a:defRPr>
+    </a:lvl4pPr>
+    <a:lvl5pPr marL="1828800" algn="l" defTabSz="914400" rtl="0" eaLnBrk="1" latinLnBrk="0" hangingPunct="1">
+      <a:defRPr kumimoji="1" sz="1200" kern="1200">
+        <a:solidFill>
+          <a:schemeClr val="tx1"/>
+        </a:solidFill>
+        <a:latin typeface="+mn-lt"/>
+        <a:ea typeface="+mn-ea"/>
+        <a:cs typeface="+mn-cs"/>
+      </a:defRPr>
+    </a:lvl5pPr>
+    <a:lvl6pPr marL="2286000" algn="l" defTabSz="914400" rtl="0" eaLnBrk="1" latinLnBrk="0" hangingPunct="1">
+      <a:defRPr kumimoji="1" sz="1200" kern="1200">
+        <a:solidFill>
+          <a:schemeClr val="tx1"/>
+        </a:solidFill>
+        <a:latin typeface="+mn-lt"/>
+        <a:ea typeface="+mn-ea"/>
+        <a:cs typeface="+mn-cs"/>
+      </a:defRPr>
+    </a:lvl6pPr>
+    <a:lvl7pPr marL="2743200" algn="l" defTabSz="914400" rtl="0" eaLnBrk="1" latinLnBrk="0" hangingPunct="1">
+      <a:defRPr kumimoji="1" sz="1200" kern="1200">
+        <a:solidFill>
+          <a:schemeClr val="tx1"/>
+        </a:solidFill>
+        <a:latin typeface="+mn-lt"/>
+        <a:ea typeface="+mn-ea"/>
+        <a:cs typeface="+mn-cs"/>
+      </a:defRPr>
+    </a:lvl7pPr>
+    <a:lvl8pPr marL="3200400" algn="l" defTabSz="914400" rtl="0" eaLnBrk="1" latinLnBrk="0" hangingPunct="1">
+      <a:defRPr kumimoji="1" sz="1200" kern="1200">
+        <a:solidFill>
+          <a:schemeClr val="tx1"/>
+        </a:solidFill>
+        <a:latin typeface="+mn-lt"/>
+        <a:ea typeface="+mn-ea"/>
+        <a:cs typeface="+mn-cs"/>
+      </a:defRPr>
+    </a:lvl8pPr>
+    <a:lvl9pPr marL="3657600" algn="l" defTabSz="914400" rtl="0" eaLnBrk="1" latinLnBrk="0" hangingPunct="1">
+      <a:defRPr kumimoji="1" sz="1200" kern="1200">
+        <a:solidFill>
+          <a:schemeClr val="tx1"/>
+        </a:solidFill>
+        <a:latin typeface="+mn-lt"/>
+        <a:ea typeface="+mn-ea"/>
+        <a:cs typeface="+mn-cs"/>
+      </a:defRPr>
+    </a:lvl9pPr>
+  </p:notesStyle>
+</p:notesMaster>
+</file>
+
+<file path=ppt/notesSlides/notesSlide1.xml><?xml version="1.0" encoding="utf-8"?>
+<p:notes xmlns:a="http://schemas.openxmlformats.org/drawingml/2006/main" xmlns:r="http://schemas.openxmlformats.org/officeDocument/2006/relationships" xmlns:p="http://schemas.openxmlformats.org/presentationml/2006/main">
+  <p:cSld>
+    <p:spTree>
+      <p:nvGrpSpPr>
+        <p:cNvPr id="1" name=""/>
+        <p:cNvGrpSpPr/>
+        <p:nvPr/>
+      </p:nvGrpSpPr>
+      <p:grpSpPr>
+        <a:xfrm>
+          <a:off x="0" y="0"/>
+          <a:ext cx="0" cy="0"/>
+          <a:chOff x="0" y="0"/>
+          <a:chExt cx="0" cy="0"/>
+        </a:xfrm>
+      </p:grpSpPr>
+      <p:sp>
+        <p:nvSpPr>
+          <p:cNvPr id="2" name="スライド イメージ プレースホルダー 1"/>
+          <p:cNvSpPr>
+            <a:spLocks noGrp="1" noRot="1" noChangeAspect="1"/>
+          </p:cNvSpPr>
+          <p:nvPr>
+            <p:ph type="sldImg"/>
+          </p:nvPr>
+        </p:nvSpPr>
+        <p:spPr/>
+      </p:sp>
+      <p:sp>
+        <p:nvSpPr>
+          <p:cNvPr id="3" name="ノート プレースホルダー 2"/>
+          <p:cNvSpPr>
+            <a:spLocks noGrp="1"/>
+          </p:cNvSpPr>
+          <p:nvPr>
+            <p:ph type="body" idx="1"/>
+          </p:nvPr>
+        </p:nvSpPr>
+        <p:spPr/>
+        <p:txBody>
+          <a:bodyPr/>
+          <a:lstStyle/>
+          <a:p>
+            <a:endParaRPr kumimoji="1" lang="ja-JP" altLang="en-US" dirty="0"/>
+          </a:p>
+        </p:txBody>
+      </p:sp>
+      <p:sp>
+        <p:nvSpPr>
+          <p:cNvPr id="4" name="スライド番号プレースホルダー 3"/>
+          <p:cNvSpPr>
+            <a:spLocks noGrp="1"/>
+          </p:cNvSpPr>
+          <p:nvPr>
+            <p:ph type="sldNum" sz="quarter" idx="5"/>
+          </p:nvPr>
+        </p:nvSpPr>
+        <p:spPr/>
+        <p:txBody>
+          <a:bodyPr/>
+          <a:lstStyle/>
+          <a:p>
+            <a:fld id="{62FA7396-E123-4AF9-BCCC-B94F19BA8490}" type="slidenum">
+              <a:rPr kumimoji="1" lang="ja-JP" altLang="en-US" smtClean="0"/>
+              <a:t>1</a:t>
+            </a:fld>
+            <a:endParaRPr kumimoji="1" lang="ja-JP" altLang="en-US"/>
+          </a:p>
+        </p:txBody>
+      </p:sp>
+    </p:spTree>
+    <p:extLst>
+      <p:ext uri="{BB962C8B-B14F-4D97-AF65-F5344CB8AC3E}">
+        <p14:creationId xmlns:p14="http://schemas.microsoft.com/office/powerpoint/2010/main" val="2367702157"/>
+      </p:ext>
+    </p:extLst>
+  </p:cSld>
+  <p:clrMapOvr>
+    <a:masterClrMapping/>
+  </p:clrMapOvr>
+</p:notes>
 </file>
 
 <file path=ppt/slideLayouts/slideLayout1.xml><?xml version="1.0" encoding="utf-8"?>
@@ -255,7 +728,7 @@
           <a:p>
             <a:fld id="{4E2620D2-9388-4946-A134-02FF42A70780}" type="datetimeFigureOut">
               <a:rPr kumimoji="1" lang="ja-JP" altLang="en-US" smtClean="0"/>
-              <a:t>2024/4/22</a:t>
+              <a:t>2024/4/23</a:t>
             </a:fld>
             <a:endParaRPr kumimoji="1" lang="ja-JP" altLang="en-US"/>
           </a:p>
@@ -485,7 +958,7 @@
           <a:p>
             <a:fld id="{4E2620D2-9388-4946-A134-02FF42A70780}" type="datetimeFigureOut">
               <a:rPr kumimoji="1" lang="ja-JP" altLang="en-US" smtClean="0"/>
-              <a:t>2024/4/22</a:t>
+              <a:t>2024/4/23</a:t>
             </a:fld>
             <a:endParaRPr kumimoji="1" lang="ja-JP" altLang="en-US"/>
           </a:p>
@@ -725,7 +1198,7 @@
           <a:p>
             <a:fld id="{4E2620D2-9388-4946-A134-02FF42A70780}" type="datetimeFigureOut">
               <a:rPr kumimoji="1" lang="ja-JP" altLang="en-US" smtClean="0"/>
-              <a:t>2024/4/22</a:t>
+              <a:t>2024/4/23</a:t>
             </a:fld>
             <a:endParaRPr kumimoji="1" lang="ja-JP" altLang="en-US"/>
           </a:p>
@@ -955,7 +1428,7 @@
           <a:p>
             <a:fld id="{4E2620D2-9388-4946-A134-02FF42A70780}" type="datetimeFigureOut">
               <a:rPr kumimoji="1" lang="ja-JP" altLang="en-US" smtClean="0"/>
-              <a:t>2024/4/22</a:t>
+              <a:t>2024/4/23</a:t>
             </a:fld>
             <a:endParaRPr kumimoji="1" lang="ja-JP" altLang="en-US"/>
           </a:p>
@@ -1230,7 +1703,7 @@
           <a:p>
             <a:fld id="{4E2620D2-9388-4946-A134-02FF42A70780}" type="datetimeFigureOut">
               <a:rPr kumimoji="1" lang="ja-JP" altLang="en-US" smtClean="0"/>
-              <a:t>2024/4/22</a:t>
+              <a:t>2024/4/23</a:t>
             </a:fld>
             <a:endParaRPr kumimoji="1" lang="ja-JP" altLang="en-US"/>
           </a:p>
@@ -1559,7 +2032,7 @@
           <a:p>
             <a:fld id="{4E2620D2-9388-4946-A134-02FF42A70780}" type="datetimeFigureOut">
               <a:rPr kumimoji="1" lang="ja-JP" altLang="en-US" smtClean="0"/>
-              <a:t>2024/4/22</a:t>
+              <a:t>2024/4/23</a:t>
             </a:fld>
             <a:endParaRPr kumimoji="1" lang="ja-JP" altLang="en-US"/>
           </a:p>
@@ -2035,7 +2508,7 @@
           <a:p>
             <a:fld id="{4E2620D2-9388-4946-A134-02FF42A70780}" type="datetimeFigureOut">
               <a:rPr kumimoji="1" lang="ja-JP" altLang="en-US" smtClean="0"/>
-              <a:t>2024/4/22</a:t>
+              <a:t>2024/4/23</a:t>
             </a:fld>
             <a:endParaRPr kumimoji="1" lang="ja-JP" altLang="en-US"/>
           </a:p>
@@ -2176,7 +2649,7 @@
           <a:p>
             <a:fld id="{4E2620D2-9388-4946-A134-02FF42A70780}" type="datetimeFigureOut">
               <a:rPr kumimoji="1" lang="ja-JP" altLang="en-US" smtClean="0"/>
-              <a:t>2024/4/22</a:t>
+              <a:t>2024/4/23</a:t>
             </a:fld>
             <a:endParaRPr kumimoji="1" lang="ja-JP" altLang="en-US"/>
           </a:p>
@@ -2289,7 +2762,7 @@
           <a:p>
             <a:fld id="{4E2620D2-9388-4946-A134-02FF42A70780}" type="datetimeFigureOut">
               <a:rPr kumimoji="1" lang="ja-JP" altLang="en-US" smtClean="0"/>
-              <a:t>2024/4/22</a:t>
+              <a:t>2024/4/23</a:t>
             </a:fld>
             <a:endParaRPr kumimoji="1" lang="ja-JP" altLang="en-US"/>
           </a:p>
@@ -2632,7 +3105,7 @@
           <a:p>
             <a:fld id="{4E2620D2-9388-4946-A134-02FF42A70780}" type="datetimeFigureOut">
               <a:rPr kumimoji="1" lang="ja-JP" altLang="en-US" smtClean="0"/>
-              <a:t>2024/4/22</a:t>
+              <a:t>2024/4/23</a:t>
             </a:fld>
             <a:endParaRPr kumimoji="1" lang="ja-JP" altLang="en-US"/>
           </a:p>
@@ -2920,7 +3393,7 @@
           <a:p>
             <a:fld id="{4E2620D2-9388-4946-A134-02FF42A70780}" type="datetimeFigureOut">
               <a:rPr kumimoji="1" lang="ja-JP" altLang="en-US" smtClean="0"/>
-              <a:t>2024/4/22</a:t>
+              <a:t>2024/4/23</a:t>
             </a:fld>
             <a:endParaRPr kumimoji="1" lang="ja-JP" altLang="en-US"/>
           </a:p>
@@ -3193,7 +3666,7 @@
           <a:p>
             <a:fld id="{4E2620D2-9388-4946-A134-02FF42A70780}" type="datetimeFigureOut">
               <a:rPr kumimoji="1" lang="ja-JP" altLang="en-US" smtClean="0"/>
-              <a:t>2024/4/22</a:t>
+              <a:t>2024/4/23</a:t>
             </a:fld>
             <a:endParaRPr kumimoji="1" lang="ja-JP" altLang="en-US"/>
           </a:p>
@@ -3596,383 +4069,10 @@
 <file path=ppt/slides/slide1.xml><?xml version="1.0" encoding="utf-8"?>
 <p:sld xmlns:a="http://schemas.openxmlformats.org/drawingml/2006/main" xmlns:r="http://schemas.openxmlformats.org/officeDocument/2006/relationships" xmlns:p="http://schemas.openxmlformats.org/presentationml/2006/main">
   <p:cSld>
-    <p:spTree>
-      <p:nvGrpSpPr>
-        <p:cNvPr id="1" name=""/>
-        <p:cNvGrpSpPr/>
-        <p:nvPr/>
-      </p:nvGrpSpPr>
-      <p:grpSpPr>
-        <a:xfrm>
-          <a:off x="0" y="0"/>
-          <a:ext cx="0" cy="0"/>
-          <a:chOff x="0" y="0"/>
-          <a:chExt cx="0" cy="0"/>
-        </a:xfrm>
-      </p:grpSpPr>
-      <p:sp>
-        <p:nvSpPr>
-          <p:cNvPr id="2" name="タイトル 1">
-            <a:extLst>
-              <a:ext uri="{FF2B5EF4-FFF2-40B4-BE49-F238E27FC236}">
-                <a16:creationId xmlns:a16="http://schemas.microsoft.com/office/drawing/2014/main" id="{B6C849D2-0280-43E4-B31A-A8317D4A12EC}"/>
-              </a:ext>
-            </a:extLst>
-          </p:cNvPr>
-          <p:cNvSpPr>
-            <a:spLocks noGrp="1"/>
-          </p:cNvSpPr>
-          <p:nvPr>
-            <p:ph type="title"/>
-          </p:nvPr>
-        </p:nvSpPr>
-        <p:spPr>
-          <a:xfrm>
-            <a:off x="0" y="-4207"/>
-            <a:ext cx="4741727" cy="707537"/>
-          </a:xfrm>
-        </p:spPr>
-        <p:txBody>
-          <a:bodyPr>
-            <a:noAutofit/>
-          </a:bodyPr>
-          <a:lstStyle/>
-          <a:p>
-            <a:r>
-              <a:rPr kumimoji="1" lang="ja-JP" altLang="en-US" sz="2400" dirty="0"/>
-              <a:t>ステルス</a:t>
-            </a:r>
-            <a:r>
-              <a:rPr kumimoji="1" lang="en-US" altLang="ja-JP" sz="2400" dirty="0"/>
-              <a:t>1 </a:t>
-            </a:r>
-            <a:r>
-              <a:rPr kumimoji="1" lang="ja-JP" altLang="en-US" sz="2400" dirty="0"/>
-              <a:t>ジャスト回避やつ</a:t>
-            </a:r>
-          </a:p>
-        </p:txBody>
-      </p:sp>
-      <p:sp>
-        <p:nvSpPr>
-          <p:cNvPr id="4" name="テキスト ボックス 3">
-            <a:extLst>
-              <a:ext uri="{FF2B5EF4-FFF2-40B4-BE49-F238E27FC236}">
-                <a16:creationId xmlns:a16="http://schemas.microsoft.com/office/drawing/2014/main" id="{601B41CC-E79C-47C8-A5DD-6CFF1AC1CF89}"/>
-              </a:ext>
-            </a:extLst>
-          </p:cNvPr>
-          <p:cNvSpPr txBox="1"/>
-          <p:nvPr/>
-        </p:nvSpPr>
-        <p:spPr>
-          <a:xfrm>
-            <a:off x="838200" y="2265028"/>
-            <a:ext cx="2954655" cy="369332"/>
-          </a:xfrm>
-          <a:prstGeom prst="rect">
-            <a:avLst/>
-          </a:prstGeom>
-          <a:noFill/>
-        </p:spPr>
-        <p:txBody>
-          <a:bodyPr wrap="none" rtlCol="0">
-            <a:spAutoFit/>
-          </a:bodyPr>
-          <a:lstStyle/>
-          <a:p>
-            <a:r>
-              <a:rPr lang="ja-JP" altLang="en-US" dirty="0"/>
-              <a:t>プレイヤーは攻撃できない</a:t>
-            </a:r>
-            <a:endParaRPr kumimoji="1" lang="ja-JP" altLang="en-US" dirty="0"/>
-          </a:p>
-        </p:txBody>
-      </p:sp>
-      <p:sp>
-        <p:nvSpPr>
-          <p:cNvPr id="5" name="テキスト ボックス 4">
-            <a:extLst>
-              <a:ext uri="{FF2B5EF4-FFF2-40B4-BE49-F238E27FC236}">
-                <a16:creationId xmlns:a16="http://schemas.microsoft.com/office/drawing/2014/main" id="{9E89F19A-F53E-41D5-9F3D-7D81F3BA6FE7}"/>
-              </a:ext>
-            </a:extLst>
-          </p:cNvPr>
-          <p:cNvSpPr txBox="1"/>
-          <p:nvPr/>
-        </p:nvSpPr>
-        <p:spPr>
-          <a:xfrm>
-            <a:off x="896485" y="3669643"/>
-            <a:ext cx="3877985" cy="369332"/>
-          </a:xfrm>
-          <a:prstGeom prst="rect">
-            <a:avLst/>
-          </a:prstGeom>
-          <a:noFill/>
-        </p:spPr>
-        <p:txBody>
-          <a:bodyPr wrap="none" rtlCol="0">
-            <a:spAutoFit/>
-          </a:bodyPr>
-          <a:lstStyle/>
-          <a:p>
-            <a:r>
-              <a:rPr kumimoji="1" lang="ja-JP" altLang="en-US" dirty="0"/>
-              <a:t>敵に見つかると警戒ゲージが上がる</a:t>
-            </a:r>
-          </a:p>
-        </p:txBody>
-      </p:sp>
-      <p:sp>
-        <p:nvSpPr>
-          <p:cNvPr id="7" name="テキスト ボックス 6">
-            <a:extLst>
-              <a:ext uri="{FF2B5EF4-FFF2-40B4-BE49-F238E27FC236}">
-                <a16:creationId xmlns:a16="http://schemas.microsoft.com/office/drawing/2014/main" id="{7BEF9BCB-486A-4727-903C-9BD2B419766E}"/>
-              </a:ext>
-            </a:extLst>
-          </p:cNvPr>
-          <p:cNvSpPr txBox="1"/>
-          <p:nvPr/>
-        </p:nvSpPr>
-        <p:spPr>
-          <a:xfrm>
-            <a:off x="3643391" y="2265028"/>
-            <a:ext cx="2262158" cy="369332"/>
-          </a:xfrm>
-          <a:prstGeom prst="rect">
-            <a:avLst/>
-          </a:prstGeom>
-          <a:noFill/>
-        </p:spPr>
-        <p:txBody>
-          <a:bodyPr wrap="none" rtlCol="0">
-            <a:spAutoFit/>
-          </a:bodyPr>
-          <a:lstStyle/>
-          <a:p>
-            <a:r>
-              <a:rPr kumimoji="1" lang="ja-JP" altLang="en-US" dirty="0"/>
-              <a:t>敵は攻撃をしてくる</a:t>
-            </a:r>
-          </a:p>
-        </p:txBody>
-      </p:sp>
-      <p:sp>
-        <p:nvSpPr>
-          <p:cNvPr id="8" name="テキスト ボックス 7">
-            <a:extLst>
-              <a:ext uri="{FF2B5EF4-FFF2-40B4-BE49-F238E27FC236}">
-                <a16:creationId xmlns:a16="http://schemas.microsoft.com/office/drawing/2014/main" id="{9A528822-8844-4898-9C41-FB3CCB638E27}"/>
-              </a:ext>
-            </a:extLst>
-          </p:cNvPr>
-          <p:cNvSpPr txBox="1"/>
-          <p:nvPr/>
-        </p:nvSpPr>
-        <p:spPr>
-          <a:xfrm>
-            <a:off x="2197915" y="2634360"/>
-            <a:ext cx="5673348" cy="369332"/>
-          </a:xfrm>
-          <a:prstGeom prst="rect">
-            <a:avLst/>
-          </a:prstGeom>
-          <a:noFill/>
-        </p:spPr>
-        <p:txBody>
-          <a:bodyPr wrap="none" rtlCol="0">
-            <a:spAutoFit/>
-          </a:bodyPr>
-          <a:lstStyle/>
-          <a:p>
-            <a:r>
-              <a:rPr kumimoji="1" lang="ja-JP" altLang="en-US" dirty="0"/>
-              <a:t>攻撃をジャスト回避するとカウンター攻撃</a:t>
-            </a:r>
-            <a:r>
-              <a:rPr kumimoji="1" lang="en-US" altLang="ja-JP" dirty="0"/>
-              <a:t>(</a:t>
-            </a:r>
-            <a:r>
-              <a:rPr kumimoji="1" lang="ja-JP" altLang="en-US" dirty="0"/>
-              <a:t>目つぶし</a:t>
-            </a:r>
-            <a:r>
-              <a:rPr kumimoji="1" lang="en-US" altLang="ja-JP" dirty="0"/>
-              <a:t>)</a:t>
-            </a:r>
-            <a:endParaRPr kumimoji="1" lang="ja-JP" altLang="en-US" dirty="0"/>
-          </a:p>
-        </p:txBody>
-      </p:sp>
-      <p:sp>
-        <p:nvSpPr>
-          <p:cNvPr id="9" name="テキスト ボックス 8">
-            <a:extLst>
-              <a:ext uri="{FF2B5EF4-FFF2-40B4-BE49-F238E27FC236}">
-                <a16:creationId xmlns:a16="http://schemas.microsoft.com/office/drawing/2014/main" id="{9AE4144C-0B9E-478E-9C2D-2D97161E3A6B}"/>
-              </a:ext>
-            </a:extLst>
-          </p:cNvPr>
-          <p:cNvSpPr txBox="1"/>
-          <p:nvPr/>
-        </p:nvSpPr>
-        <p:spPr>
-          <a:xfrm>
-            <a:off x="1249960" y="3947364"/>
-            <a:ext cx="5262979" cy="369332"/>
-          </a:xfrm>
-          <a:prstGeom prst="rect">
-            <a:avLst/>
-          </a:prstGeom>
-          <a:noFill/>
-        </p:spPr>
-        <p:txBody>
-          <a:bodyPr wrap="none" rtlCol="0">
-            <a:spAutoFit/>
-          </a:bodyPr>
-          <a:lstStyle/>
-          <a:p>
-            <a:r>
-              <a:rPr kumimoji="1" lang="ja-JP" altLang="en-US" dirty="0"/>
-              <a:t>警戒ゲージが上がるとさらに見つかりやすくなる</a:t>
-            </a:r>
-          </a:p>
-        </p:txBody>
-      </p:sp>
-      <p:sp>
-        <p:nvSpPr>
-          <p:cNvPr id="10" name="テキスト ボックス 9">
-            <a:extLst>
-              <a:ext uri="{FF2B5EF4-FFF2-40B4-BE49-F238E27FC236}">
-                <a16:creationId xmlns:a16="http://schemas.microsoft.com/office/drawing/2014/main" id="{D242156F-F191-4BA2-8C04-8B476B85D2FD}"/>
-              </a:ext>
-            </a:extLst>
-          </p:cNvPr>
-          <p:cNvSpPr txBox="1"/>
-          <p:nvPr/>
-        </p:nvSpPr>
-        <p:spPr>
-          <a:xfrm>
-            <a:off x="2197915" y="2879109"/>
-            <a:ext cx="4801314" cy="369332"/>
-          </a:xfrm>
-          <a:prstGeom prst="rect">
-            <a:avLst/>
-          </a:prstGeom>
-          <a:noFill/>
-        </p:spPr>
-        <p:txBody>
-          <a:bodyPr wrap="none" rtlCol="0">
-            <a:spAutoFit/>
-          </a:bodyPr>
-          <a:lstStyle/>
-          <a:p>
-            <a:r>
-              <a:rPr kumimoji="1" lang="ja-JP" altLang="en-US" dirty="0"/>
-              <a:t>カウンターが決まると警戒ゲージを下げれる</a:t>
-            </a:r>
-          </a:p>
-        </p:txBody>
-      </p:sp>
-      <p:sp>
-        <p:nvSpPr>
-          <p:cNvPr id="11" name="テキスト ボックス 10">
-            <a:extLst>
-              <a:ext uri="{FF2B5EF4-FFF2-40B4-BE49-F238E27FC236}">
-                <a16:creationId xmlns:a16="http://schemas.microsoft.com/office/drawing/2014/main" id="{125B5880-7B8F-4FBF-A259-555C2D541BBD}"/>
-              </a:ext>
-            </a:extLst>
-          </p:cNvPr>
-          <p:cNvSpPr txBox="1"/>
-          <p:nvPr/>
-        </p:nvSpPr>
-        <p:spPr>
-          <a:xfrm>
-            <a:off x="6664829" y="3965748"/>
-            <a:ext cx="3185487" cy="369332"/>
-          </a:xfrm>
-          <a:prstGeom prst="rect">
-            <a:avLst/>
-          </a:prstGeom>
-          <a:noFill/>
-        </p:spPr>
-        <p:txBody>
-          <a:bodyPr wrap="none" rtlCol="0">
-            <a:spAutoFit/>
-          </a:bodyPr>
-          <a:lstStyle/>
-          <a:p>
-            <a:r>
-              <a:rPr kumimoji="1" lang="ja-JP" altLang="en-US" dirty="0"/>
-              <a:t>撤退地点に到着すると</a:t>
-            </a:r>
-            <a:r>
-              <a:rPr lang="ja-JP" altLang="en-US" dirty="0"/>
-              <a:t>クリア</a:t>
-            </a:r>
-            <a:endParaRPr kumimoji="1" lang="ja-JP" altLang="en-US" dirty="0"/>
-          </a:p>
-        </p:txBody>
-      </p:sp>
-      <p:sp>
-        <p:nvSpPr>
-          <p:cNvPr id="12" name="テキスト ボックス 11">
-            <a:extLst>
-              <a:ext uri="{FF2B5EF4-FFF2-40B4-BE49-F238E27FC236}">
-                <a16:creationId xmlns:a16="http://schemas.microsoft.com/office/drawing/2014/main" id="{3272636D-F5E2-44F4-BD30-3FE79323B4DB}"/>
-              </a:ext>
-            </a:extLst>
-          </p:cNvPr>
-          <p:cNvSpPr txBox="1"/>
-          <p:nvPr/>
-        </p:nvSpPr>
-        <p:spPr>
-          <a:xfrm>
-            <a:off x="6624018" y="3609560"/>
-            <a:ext cx="3877985" cy="369332"/>
-          </a:xfrm>
-          <a:prstGeom prst="rect">
-            <a:avLst/>
-          </a:prstGeom>
-          <a:noFill/>
-        </p:spPr>
-        <p:txBody>
-          <a:bodyPr wrap="none" rtlCol="0">
-            <a:spAutoFit/>
-          </a:bodyPr>
-          <a:lstStyle/>
-          <a:p>
-            <a:r>
-              <a:rPr kumimoji="1" lang="ja-JP" altLang="en-US" dirty="0"/>
-              <a:t>警戒ゲージが最大になると任務失敗</a:t>
-            </a:r>
-          </a:p>
-        </p:txBody>
-      </p:sp>
-    </p:spTree>
-    <p:extLst>
-      <p:ext uri="{BB962C8B-B14F-4D97-AF65-F5344CB8AC3E}">
-        <p14:creationId xmlns:p14="http://schemas.microsoft.com/office/powerpoint/2010/main" val="4020630899"/>
-      </p:ext>
-    </p:extLst>
-  </p:cSld>
-  <p:clrMapOvr>
-    <a:masterClrMapping/>
-  </p:clrMapOvr>
-</p:sld>
-</file>
-
-<file path=ppt/slides/slide2.xml><?xml version="1.0" encoding="utf-8"?>
-<p:sld xmlns:a="http://schemas.openxmlformats.org/drawingml/2006/main" xmlns:r="http://schemas.openxmlformats.org/officeDocument/2006/relationships" xmlns:p="http://schemas.openxmlformats.org/presentationml/2006/main">
-  <p:cSld>
     <p:bg>
       <p:bgPr>
         <a:blipFill dpi="0" rotWithShape="1">
-          <a:blip r:embed="rId2">
-            <a:alphaModFix amt="83000"/>
+          <a:blip r:embed="rId3">
             <a:lum/>
           </a:blip>
           <a:srcRect/>
@@ -3999,10 +4099,10 @@
       </p:grpSpPr>
       <p:pic>
         <p:nvPicPr>
-          <p:cNvPr id="18" name="図 17">
-            <a:extLst>
-              <a:ext uri="{FF2B5EF4-FFF2-40B4-BE49-F238E27FC236}">
-                <a16:creationId xmlns:a16="http://schemas.microsoft.com/office/drawing/2014/main" id="{75E171B3-324A-4F7F-B0C8-3B691F60F918}"/>
+          <p:cNvPr id="28" name="図 27">
+            <a:extLst>
+              <a:ext uri="{FF2B5EF4-FFF2-40B4-BE49-F238E27FC236}">
+                <a16:creationId xmlns:a16="http://schemas.microsoft.com/office/drawing/2014/main" id="{50B2C5BF-90E0-46CE-BD2B-8FAF0C9D061B}"/>
               </a:ext>
             </a:extLst>
           </p:cNvPr>
@@ -4011,75 +4111,40 @@
           </p:cNvPicPr>
           <p:nvPr/>
         </p:nvPicPr>
-        <p:blipFill rotWithShape="1">
-          <a:blip r:embed="rId3">
-            <a:extLst>
-              <a:ext uri="{BEBA8EAE-BF5A-486C-A8C5-ECC9F3942E4B}">
-                <a14:imgProps xmlns:a14="http://schemas.microsoft.com/office/drawing/2010/main">
-                  <a14:imgLayer r:embed="rId4">
-                    <a14:imgEffect>
-                      <a14:colorTemperature colorTemp="1500"/>
-                    </a14:imgEffect>
-                    <a14:imgEffect>
-                      <a14:saturation sat="0"/>
-                    </a14:imgEffect>
-                  </a14:imgLayer>
-                </a14:imgProps>
-              </a:ext>
+        <p:blipFill>
+          <a:blip r:embed="rId4">
+            <a:extLst>
               <a:ext uri="{28A0092B-C50C-407E-A947-70E740481C1C}">
                 <a14:useLocalDpi xmlns:a14="http://schemas.microsoft.com/office/drawing/2010/main" val="0"/>
               </a:ext>
             </a:extLst>
           </a:blip>
-          <a:srcRect l="31748" r="31032"/>
-          <a:stretch/>
+          <a:stretch>
+            <a:fillRect/>
+          </a:stretch>
         </p:blipFill>
         <p:spPr>
           <a:xfrm>
-            <a:off x="10031090" y="154631"/>
-            <a:ext cx="2012081" cy="3040788"/>
+            <a:off x="8834764" y="3784791"/>
+            <a:ext cx="2975339" cy="2231504"/>
           </a:xfrm>
           <a:prstGeom prst="rect">
             <a:avLst/>
           </a:prstGeom>
-          <a:solidFill>
-            <a:srgbClr val="FFFFFF">
-              <a:shade val="85000"/>
-            </a:srgbClr>
-          </a:solidFill>
-          <a:ln w="88900" cap="sq">
-            <a:solidFill>
-              <a:srgbClr val="FFFFFF"/>
-            </a:solidFill>
-            <a:miter lim="800000"/>
+          <a:ln>
+            <a:noFill/>
           </a:ln>
           <a:effectLst>
-            <a:outerShdw blurRad="55000" dist="18000" dir="5400000" algn="tl" rotWithShape="0">
-              <a:srgbClr val="000000">
-                <a:alpha val="40000"/>
-              </a:srgbClr>
-            </a:outerShdw>
+            <a:softEdge rad="112500"/>
           </a:effectLst>
-          <a:scene3d>
-            <a:camera prst="orthographicFront"/>
-            <a:lightRig rig="twoPt" dir="t">
-              <a:rot lat="0" lon="0" rev="7200000"/>
-            </a:lightRig>
-          </a:scene3d>
-          <a:sp3d>
-            <a:bevelT w="25400" h="19050"/>
-            <a:contourClr>
-              <a:srgbClr val="FFFFFF"/>
-            </a:contourClr>
-          </a:sp3d>
         </p:spPr>
       </p:pic>
       <p:pic>
         <p:nvPicPr>
-          <p:cNvPr id="16" name="図 15">
-            <a:extLst>
-              <a:ext uri="{FF2B5EF4-FFF2-40B4-BE49-F238E27FC236}">
-                <a16:creationId xmlns:a16="http://schemas.microsoft.com/office/drawing/2014/main" id="{B9129027-3509-4CCF-8EF6-B2270536CE31}"/>
+          <p:cNvPr id="25" name="図 24">
+            <a:extLst>
+              <a:ext uri="{FF2B5EF4-FFF2-40B4-BE49-F238E27FC236}">
+                <a16:creationId xmlns:a16="http://schemas.microsoft.com/office/drawing/2014/main" id="{A9BF19DA-DC5C-4D79-9EEA-578AE62B8805}"/>
               </a:ext>
             </a:extLst>
           </p:cNvPr>
@@ -4091,15 +4156,6 @@
         <p:blipFill>
           <a:blip r:embed="rId5">
             <a:extLst>
-              <a:ext uri="{BEBA8EAE-BF5A-486C-A8C5-ECC9F3942E4B}">
-                <a14:imgProps xmlns:a14="http://schemas.microsoft.com/office/drawing/2010/main">
-                  <a14:imgLayer r:embed="rId6">
-                    <a14:imgEffect>
-                      <a14:saturation sat="0"/>
-                    </a14:imgEffect>
-                  </a14:imgLayer>
-                </a14:imgProps>
-              </a:ext>
               <a:ext uri="{28A0092B-C50C-407E-A947-70E740481C1C}">
                 <a14:useLocalDpi xmlns:a14="http://schemas.microsoft.com/office/drawing/2010/main" val="0"/>
               </a:ext>
@@ -4110,221 +4166,301 @@
           </a:stretch>
         </p:blipFill>
         <p:spPr>
-          <a:xfrm>
-            <a:off x="7265550" y="1951263"/>
-            <a:ext cx="2341739" cy="1313569"/>
+          <a:xfrm rot="20990843">
+            <a:off x="6775728" y="812649"/>
+            <a:ext cx="3305895" cy="1858179"/>
           </a:xfrm>
           <a:prstGeom prst="rect">
             <a:avLst/>
           </a:prstGeom>
-          <a:solidFill>
-            <a:srgbClr val="FFFFFF">
-              <a:shade val="85000"/>
-            </a:srgbClr>
-          </a:solidFill>
-          <a:ln w="88900" cap="sq">
-            <a:solidFill>
-              <a:srgbClr val="FFFFFF"/>
-            </a:solidFill>
-            <a:miter lim="800000"/>
+          <a:ln>
+            <a:noFill/>
           </a:ln>
           <a:effectLst>
-            <a:outerShdw blurRad="55000" dist="18000" dir="5400000" algn="tl" rotWithShape="0">
-              <a:srgbClr val="000000">
-                <a:alpha val="40000"/>
-              </a:srgbClr>
-            </a:outerShdw>
+            <a:softEdge rad="112500"/>
           </a:effectLst>
-          <a:scene3d>
-            <a:camera prst="orthographicFront"/>
-            <a:lightRig rig="twoPt" dir="t">
-              <a:rot lat="0" lon="0" rev="7200000"/>
-            </a:lightRig>
-          </a:scene3d>
-          <a:sp3d>
-            <a:bevelT w="25400" h="19050"/>
-            <a:contourClr>
-              <a:srgbClr val="FFFFFF"/>
-            </a:contourClr>
-          </a:sp3d>
         </p:spPr>
       </p:pic>
       <p:pic>
         <p:nvPicPr>
-          <p:cNvPr id="1028" name="Picture 4" descr="古銭/宝箱/和モダン/銀貨/金銀財宝...などのインテリア実例 - 2022-09-06 01:21:00 ｜ RoomClip（ルームクリップ）">
-            <a:extLst>
-              <a:ext uri="{FF2B5EF4-FFF2-40B4-BE49-F238E27FC236}">
-                <a16:creationId xmlns:a16="http://schemas.microsoft.com/office/drawing/2014/main" id="{35CC13CA-D9C9-4625-AFBA-8DBDB60E1303}"/>
+          <p:cNvPr id="23" name="図 22">
+            <a:extLst>
+              <a:ext uri="{FF2B5EF4-FFF2-40B4-BE49-F238E27FC236}">
+                <a16:creationId xmlns:a16="http://schemas.microsoft.com/office/drawing/2014/main" id="{8F64E633-945E-4F53-8C3D-617EAE7653AE}"/>
               </a:ext>
             </a:extLst>
           </p:cNvPr>
           <p:cNvPicPr>
-            <a:picLocks noChangeAspect="1" noChangeArrowheads="1"/>
+            <a:picLocks noChangeAspect="1"/>
+          </p:cNvPicPr>
+          <p:nvPr/>
+        </p:nvPicPr>
+        <p:blipFill>
+          <a:blip r:embed="rId6">
+            <a:extLst>
+              <a:ext uri="{28A0092B-C50C-407E-A947-70E740481C1C}">
+                <a14:useLocalDpi xmlns:a14="http://schemas.microsoft.com/office/drawing/2010/main" val="0"/>
+              </a:ext>
+            </a:extLst>
+          </a:blip>
+          <a:stretch>
+            <a:fillRect/>
+          </a:stretch>
+        </p:blipFill>
+        <p:spPr>
+          <a:xfrm rot="1041706">
+            <a:off x="8723906" y="1268551"/>
+            <a:ext cx="3493263" cy="1964960"/>
+          </a:xfrm>
+          <a:prstGeom prst="rect">
+            <a:avLst/>
+          </a:prstGeom>
+          <a:ln>
+            <a:noFill/>
+          </a:ln>
+          <a:effectLst>
+            <a:softEdge rad="112500"/>
+          </a:effectLst>
+        </p:spPr>
+      </p:pic>
+      <p:pic>
+        <p:nvPicPr>
+          <p:cNvPr id="21" name="図 20">
+            <a:extLst>
+              <a:ext uri="{FF2B5EF4-FFF2-40B4-BE49-F238E27FC236}">
+                <a16:creationId xmlns:a16="http://schemas.microsoft.com/office/drawing/2014/main" id="{72C9E5C6-8C98-4C1F-A231-17B31E25E943}"/>
+              </a:ext>
+            </a:extLst>
+          </p:cNvPr>
+          <p:cNvPicPr>
+            <a:picLocks noChangeAspect="1"/>
           </p:cNvPicPr>
           <p:nvPr/>
         </p:nvPicPr>
         <p:blipFill>
           <a:blip r:embed="rId7">
             <a:extLst>
-              <a:ext uri="{BEBA8EAE-BF5A-486C-A8C5-ECC9F3942E4B}">
-                <a14:imgProps xmlns:a14="http://schemas.microsoft.com/office/drawing/2010/main">
-                  <a14:imgLayer r:embed="rId8">
-                    <a14:imgEffect>
-                      <a14:saturation sat="0"/>
-                    </a14:imgEffect>
-                  </a14:imgLayer>
-                </a14:imgProps>
-              </a:ext>
               <a:ext uri="{28A0092B-C50C-407E-A947-70E740481C1C}">
                 <a14:useLocalDpi xmlns:a14="http://schemas.microsoft.com/office/drawing/2010/main" val="0"/>
               </a:ext>
             </a:extLst>
           </a:blip>
-          <a:srcRect/>
           <a:stretch>
             <a:fillRect/>
           </a:stretch>
         </p:blipFill>
-        <p:spPr bwMode="auto">
-          <a:xfrm>
-            <a:off x="148828" y="154631"/>
-            <a:ext cx="3389501" cy="3389501"/>
+        <p:spPr>
+          <a:xfrm rot="770639">
+            <a:off x="736664" y="957004"/>
+            <a:ext cx="4045406" cy="2275542"/>
           </a:xfrm>
           <a:prstGeom prst="rect">
             <a:avLst/>
           </a:prstGeom>
-          <a:solidFill>
-            <a:srgbClr val="FFFFFF">
-              <a:shade val="85000"/>
-            </a:srgbClr>
-          </a:solidFill>
-          <a:ln w="88900" cap="sq">
-            <a:solidFill>
-              <a:srgbClr val="FFFFFF"/>
-            </a:solidFill>
-            <a:miter lim="800000"/>
+          <a:ln>
+            <a:noFill/>
           </a:ln>
           <a:effectLst>
-            <a:outerShdw blurRad="55000" dist="18000" dir="5400000" algn="tl" rotWithShape="0">
+            <a:softEdge rad="112500"/>
+          </a:effectLst>
+        </p:spPr>
+      </p:pic>
+      <p:grpSp>
+        <p:nvGrpSpPr>
+          <p:cNvPr id="38" name="グループ化 37">
+            <a:extLst>
+              <a:ext uri="{FF2B5EF4-FFF2-40B4-BE49-F238E27FC236}">
+                <a16:creationId xmlns:a16="http://schemas.microsoft.com/office/drawing/2014/main" id="{C025EF8B-0496-4299-8684-0AB889DA26AB}"/>
+              </a:ext>
+            </a:extLst>
+          </p:cNvPr>
+          <p:cNvGrpSpPr/>
+          <p:nvPr/>
+        </p:nvGrpSpPr>
+        <p:grpSpPr>
+          <a:xfrm>
+            <a:off x="-545694" y="792112"/>
+            <a:ext cx="2506379" cy="2686050"/>
+            <a:chOff x="-545694" y="792112"/>
+            <a:chExt cx="2506379" cy="2686050"/>
+          </a:xfrm>
+          <a:noFill/>
+          <a:effectLst>
+            <a:glow rad="63500">
+              <a:srgbClr val="0070C0"/>
+            </a:glow>
+          </a:effectLst>
+        </p:grpSpPr>
+        <p:pic>
+          <p:nvPicPr>
+            <p:cNvPr id="19" name="図 18">
+              <a:extLst>
+                <a:ext uri="{FF2B5EF4-FFF2-40B4-BE49-F238E27FC236}">
+                  <a16:creationId xmlns:a16="http://schemas.microsoft.com/office/drawing/2014/main" id="{950B4FD6-50D1-4CC2-9E8C-B2CE572AD0E7}"/>
+                </a:ext>
+              </a:extLst>
+            </p:cNvPr>
+            <p:cNvPicPr>
+              <a:picLocks noChangeAspect="1"/>
+            </p:cNvPicPr>
+            <p:nvPr/>
+          </p:nvPicPr>
+          <p:blipFill>
+            <a:blip r:embed="rId8">
+              <a:extLst>
+                <a:ext uri="{28A0092B-C50C-407E-A947-70E740481C1C}">
+                  <a14:useLocalDpi xmlns:a14="http://schemas.microsoft.com/office/drawing/2010/main" val="0"/>
+                </a:ext>
+              </a:extLst>
+            </a:blip>
+            <a:stretch>
+              <a:fillRect/>
+            </a:stretch>
+          </p:blipFill>
+          <p:spPr>
+            <a:xfrm rot="11964391">
+              <a:off x="524638" y="2071915"/>
+              <a:ext cx="1010916" cy="758187"/>
+            </a:xfrm>
+            <a:prstGeom prst="rect">
+              <a:avLst/>
+            </a:prstGeom>
+            <a:grpFill/>
+            <a:effectLst/>
+          </p:spPr>
+        </p:pic>
+        <p:pic>
+          <p:nvPicPr>
+            <p:cNvPr id="17" name="図 16">
+              <a:extLst>
+                <a:ext uri="{FF2B5EF4-FFF2-40B4-BE49-F238E27FC236}">
+                  <a16:creationId xmlns:a16="http://schemas.microsoft.com/office/drawing/2014/main" id="{71CDD291-939B-4BFE-A3A5-AEE3FE324000}"/>
+                </a:ext>
+              </a:extLst>
+            </p:cNvPr>
+            <p:cNvPicPr>
+              <a:picLocks noChangeAspect="1"/>
+            </p:cNvPicPr>
+            <p:nvPr/>
+          </p:nvPicPr>
+          <p:blipFill rotWithShape="1">
+            <a:blip r:embed="rId9">
+              <a:extLst>
+                <a:ext uri="{28A0092B-C50C-407E-A947-70E740481C1C}">
+                  <a14:useLocalDpi xmlns:a14="http://schemas.microsoft.com/office/drawing/2010/main" val="0"/>
+                </a:ext>
+              </a:extLst>
+            </a:blip>
+            <a:srcRect l="10466" r="23595"/>
+            <a:stretch/>
+          </p:blipFill>
+          <p:spPr>
+            <a:xfrm flipH="1">
+              <a:off x="-545694" y="792112"/>
+              <a:ext cx="2506379" cy="2686050"/>
+            </a:xfrm>
+            <a:prstGeom prst="rect">
+              <a:avLst/>
+            </a:prstGeom>
+            <a:grpFill/>
+            <a:effectLst/>
+          </p:spPr>
+        </p:pic>
+      </p:grpSp>
+      <p:pic>
+        <p:nvPicPr>
+          <p:cNvPr id="15" name="図 14">
+            <a:extLst>
+              <a:ext uri="{FF2B5EF4-FFF2-40B4-BE49-F238E27FC236}">
+                <a16:creationId xmlns:a16="http://schemas.microsoft.com/office/drawing/2014/main" id="{FA7B97F8-A9C7-47DD-AA98-E869E1D6276B}"/>
+              </a:ext>
+            </a:extLst>
+          </p:cNvPr>
+          <p:cNvPicPr>
+            <a:picLocks noChangeAspect="1"/>
+          </p:cNvPicPr>
+          <p:nvPr/>
+        </p:nvPicPr>
+        <p:blipFill>
+          <a:blip r:embed="rId10">
+            <a:extLst>
+              <a:ext uri="{28A0092B-C50C-407E-A947-70E740481C1C}">
+                <a14:useLocalDpi xmlns:a14="http://schemas.microsoft.com/office/drawing/2010/main" val="0"/>
+              </a:ext>
+            </a:extLst>
+          </a:blip>
+          <a:stretch>
+            <a:fillRect/>
+          </a:stretch>
+        </p:blipFill>
+        <p:spPr>
+          <a:xfrm rot="21324689">
+            <a:off x="295643" y="4344650"/>
+            <a:ext cx="4038600" cy="2019300"/>
+          </a:xfrm>
+          <a:prstGeom prst="rect">
+            <a:avLst/>
+          </a:prstGeom>
+          <a:ln>
+            <a:noFill/>
+          </a:ln>
+          <a:effectLst>
+            <a:outerShdw blurRad="190500" algn="tl" rotWithShape="0">
               <a:srgbClr val="000000">
-                <a:alpha val="40000"/>
+                <a:alpha val="70000"/>
               </a:srgbClr>
             </a:outerShdw>
           </a:effectLst>
-          <a:scene3d>
-            <a:camera prst="orthographicFront"/>
-            <a:lightRig rig="twoPt" dir="t">
-              <a:rot lat="0" lon="0" rev="7200000"/>
-            </a:lightRig>
-          </a:scene3d>
-          <a:sp3d>
-            <a:bevelT w="25400" h="19050"/>
-            <a:contourClr>
-              <a:srgbClr val="FFFFFF"/>
-            </a:contourClr>
-          </a:sp3d>
-          <a:extLst>
-            <a:ext uri="{909E8E84-426E-40DD-AFC4-6F175D3DCCD1}">
-              <a14:hiddenFill xmlns:a14="http://schemas.microsoft.com/office/drawing/2010/main">
-                <a:solidFill>
-                  <a:srgbClr val="FFFFFF"/>
-                </a:solidFill>
-              </a14:hiddenFill>
-            </a:ext>
-          </a:extLst>
         </p:spPr>
       </p:pic>
       <p:pic>
         <p:nvPicPr>
-          <p:cNvPr id="1026" name="Picture 2" descr="SEKIRO: SHADOWS DIE TWICE』本日発売！ あらゆる忍びの業を駆使して戦国世界で戦い抜け！【特集第3回】 –  PlayStation.Blog 日本語">
-            <a:extLst>
-              <a:ext uri="{FF2B5EF4-FFF2-40B4-BE49-F238E27FC236}">
-                <a16:creationId xmlns:a16="http://schemas.microsoft.com/office/drawing/2014/main" id="{15E9C799-0235-4234-A8E6-482A20342A4C}"/>
+          <p:cNvPr id="12" name="図 11">
+            <a:extLst>
+              <a:ext uri="{FF2B5EF4-FFF2-40B4-BE49-F238E27FC236}">
+                <a16:creationId xmlns:a16="http://schemas.microsoft.com/office/drawing/2014/main" id="{93A52262-72A1-4317-B34A-8B4990EE73A7}"/>
               </a:ext>
             </a:extLst>
           </p:cNvPr>
           <p:cNvPicPr>
-            <a:picLocks noChangeAspect="1" noChangeArrowheads="1"/>
+            <a:picLocks noChangeAspect="1"/>
           </p:cNvPicPr>
           <p:nvPr/>
         </p:nvPicPr>
         <p:blipFill>
-          <a:blip r:embed="rId9">
-            <a:extLst>
-              <a:ext uri="{BEBA8EAE-BF5A-486C-A8C5-ECC9F3942E4B}">
-                <a14:imgProps xmlns:a14="http://schemas.microsoft.com/office/drawing/2010/main">
-                  <a14:imgLayer r:embed="rId10">
-                    <a14:imgEffect>
-                      <a14:saturation sat="0"/>
-                    </a14:imgEffect>
-                  </a14:imgLayer>
-                </a14:imgProps>
-              </a:ext>
+          <a:blip r:embed="rId11">
+            <a:extLst>
               <a:ext uri="{28A0092B-C50C-407E-A947-70E740481C1C}">
                 <a14:useLocalDpi xmlns:a14="http://schemas.microsoft.com/office/drawing/2010/main" val="0"/>
               </a:ext>
             </a:extLst>
           </a:blip>
-          <a:srcRect/>
           <a:stretch>
             <a:fillRect/>
           </a:stretch>
         </p:blipFill>
-        <p:spPr bwMode="auto">
-          <a:xfrm>
-            <a:off x="6624023" y="3677478"/>
-            <a:ext cx="5419148" cy="3048270"/>
+        <p:spPr>
+          <a:xfrm rot="556433">
+            <a:off x="2535088" y="3400449"/>
+            <a:ext cx="2072593" cy="1554444"/>
           </a:xfrm>
           <a:prstGeom prst="rect">
             <a:avLst/>
           </a:prstGeom>
-          <a:solidFill>
-            <a:srgbClr val="FFFFFF">
-              <a:shade val="85000"/>
-            </a:srgbClr>
-          </a:solidFill>
-          <a:ln w="88900" cap="sq">
-            <a:solidFill>
-              <a:srgbClr val="FFFFFF"/>
-            </a:solidFill>
-            <a:miter lim="800000"/>
+          <a:ln>
+            <a:noFill/>
           </a:ln>
           <a:effectLst>
-            <a:outerShdw blurRad="55000" dist="18000" dir="5400000" algn="tl" rotWithShape="0">
-              <a:srgbClr val="000000">
-                <a:alpha val="40000"/>
-              </a:srgbClr>
-            </a:outerShdw>
+            <a:softEdge rad="112500"/>
           </a:effectLst>
-          <a:scene3d>
-            <a:camera prst="orthographicFront"/>
-            <a:lightRig rig="twoPt" dir="t">
-              <a:rot lat="0" lon="0" rev="7200000"/>
-            </a:lightRig>
-          </a:scene3d>
-          <a:sp3d>
-            <a:bevelT w="25400" h="19050"/>
-            <a:contourClr>
-              <a:srgbClr val="FFFFFF"/>
-            </a:contourClr>
-          </a:sp3d>
-          <a:extLst>
-            <a:ext uri="{909E8E84-426E-40DD-AFC4-6F175D3DCCD1}">
-              <a14:hiddenFill xmlns:a14="http://schemas.microsoft.com/office/drawing/2010/main">
-                <a:solidFill>
-                  <a:srgbClr val="FFFFFF"/>
-                </a:solidFill>
-              </a14:hiddenFill>
-            </a:ext>
-          </a:extLst>
         </p:spPr>
       </p:pic>
       <p:sp>
         <p:nvSpPr>
-          <p:cNvPr id="5" name="テキスト ボックス 4">
-            <a:extLst>
-              <a:ext uri="{FF2B5EF4-FFF2-40B4-BE49-F238E27FC236}">
-                <a16:creationId xmlns:a16="http://schemas.microsoft.com/office/drawing/2014/main" id="{6E4CB66D-4612-4032-B20A-7823F76CA3EB}"/>
+          <p:cNvPr id="3" name="テキスト ボックス 2">
+            <a:extLst>
+              <a:ext uri="{FF2B5EF4-FFF2-40B4-BE49-F238E27FC236}">
+                <a16:creationId xmlns:a16="http://schemas.microsoft.com/office/drawing/2014/main" id="{973C321E-34E8-44A2-8984-DF0F4BF4F375}"/>
               </a:ext>
             </a:extLst>
           </p:cNvPr>
@@ -4332,9 +4468,433 @@
           <p:nvPr/>
         </p:nvSpPr>
         <p:spPr>
+          <a:xfrm rot="21218719">
+            <a:off x="37470" y="3265594"/>
+            <a:ext cx="4358886" cy="1077218"/>
+          </a:xfrm>
+          <a:prstGeom prst="rect">
+            <a:avLst/>
+          </a:prstGeom>
+          <a:noFill/>
+          <a:scene3d>
+            <a:camera prst="orthographicFront">
+              <a:rot lat="0" lon="0" rev="0"/>
+            </a:camera>
+            <a:lightRig rig="threePt" dir="t"/>
+          </a:scene3d>
+        </p:spPr>
+        <p:txBody>
+          <a:bodyPr wrap="none" rtlCol="0">
+            <a:spAutoFit/>
+          </a:bodyPr>
+          <a:lstStyle/>
+          <a:p>
+            <a:r>
+              <a:rPr lang="ja-JP" altLang="en-US" sz="2000" dirty="0">
+                <a:solidFill>
+                  <a:schemeClr val="bg1"/>
+                </a:solidFill>
+                <a:effectLst>
+                  <a:glow rad="254000">
+                    <a:schemeClr val="accent1">
+                      <a:alpha val="75000"/>
+                    </a:schemeClr>
+                  </a:glow>
+                </a:effectLst>
+                <a:latin typeface="HGP行書体" panose="03000600000000000000" pitchFamily="66" charset="-128"/>
+                <a:ea typeface="HGP行書体" panose="03000600000000000000" pitchFamily="66" charset="-128"/>
+              </a:rPr>
+              <a:t>力は</a:t>
+            </a:r>
+            <a:r>
+              <a:rPr lang="ja-JP" altLang="en-US" sz="2800" dirty="0">
+                <a:solidFill>
+                  <a:schemeClr val="bg1"/>
+                </a:solidFill>
+                <a:effectLst>
+                  <a:glow rad="254000">
+                    <a:schemeClr val="accent1">
+                      <a:alpha val="75000"/>
+                    </a:schemeClr>
+                  </a:glow>
+                </a:effectLst>
+                <a:latin typeface="HGP行書体" panose="03000600000000000000" pitchFamily="66" charset="-128"/>
+                <a:ea typeface="HGP行書体" panose="03000600000000000000" pitchFamily="66" charset="-128"/>
+              </a:rPr>
+              <a:t>自ら振るわぬ。</a:t>
+            </a:r>
+            <a:endParaRPr lang="en-US" altLang="ja-JP" sz="2800" dirty="0">
+              <a:solidFill>
+                <a:schemeClr val="bg1"/>
+              </a:solidFill>
+              <a:effectLst>
+                <a:glow rad="254000">
+                  <a:schemeClr val="accent1">
+                    <a:alpha val="75000"/>
+                  </a:schemeClr>
+                </a:glow>
+              </a:effectLst>
+              <a:latin typeface="HGP行書体" panose="03000600000000000000" pitchFamily="66" charset="-128"/>
+              <a:ea typeface="HGP行書体" panose="03000600000000000000" pitchFamily="66" charset="-128"/>
+            </a:endParaRPr>
+          </a:p>
+          <a:p>
+            <a:r>
+              <a:rPr lang="ja-JP" altLang="en-US" sz="2000" dirty="0">
+                <a:solidFill>
+                  <a:schemeClr val="bg1"/>
+                </a:solidFill>
+                <a:effectLst>
+                  <a:glow rad="254000">
+                    <a:schemeClr val="accent1">
+                      <a:alpha val="75000"/>
+                    </a:schemeClr>
+                  </a:glow>
+                </a:effectLst>
+                <a:latin typeface="HGP行書体" panose="03000600000000000000" pitchFamily="66" charset="-128"/>
+                <a:ea typeface="HGP行書体" panose="03000600000000000000" pitchFamily="66" charset="-128"/>
+              </a:rPr>
+              <a:t>敵の攻撃を</a:t>
+            </a:r>
+            <a:r>
+              <a:rPr lang="ja-JP" altLang="en-US" sz="3600" b="1" dirty="0">
+                <a:effectLst>
+                  <a:glow rad="381000">
+                    <a:srgbClr val="0066FF"/>
+                  </a:glow>
+                </a:effectLst>
+                <a:latin typeface="HGP行書体" panose="03000600000000000000" pitchFamily="66" charset="-128"/>
+                <a:ea typeface="HGP行書体" panose="03000600000000000000" pitchFamily="66" charset="-128"/>
+              </a:rPr>
+              <a:t>弾き返し</a:t>
+            </a:r>
+            <a:r>
+              <a:rPr lang="ja-JP" altLang="en-US" sz="2000" dirty="0">
+                <a:solidFill>
+                  <a:schemeClr val="bg1"/>
+                </a:solidFill>
+                <a:effectLst>
+                  <a:glow rad="254000">
+                    <a:schemeClr val="accent1">
+                      <a:alpha val="75000"/>
+                    </a:schemeClr>
+                  </a:glow>
+                </a:effectLst>
+                <a:latin typeface="HGP行書体" panose="03000600000000000000" pitchFamily="66" charset="-128"/>
+                <a:ea typeface="HGP行書体" panose="03000600000000000000" pitchFamily="66" charset="-128"/>
+              </a:rPr>
+              <a:t>隙を生み出せ。</a:t>
+            </a:r>
+            <a:endParaRPr kumimoji="1" lang="ja-JP" altLang="en-US" sz="2000" dirty="0">
+              <a:solidFill>
+                <a:schemeClr val="bg1"/>
+              </a:solidFill>
+              <a:effectLst>
+                <a:glow rad="254000">
+                  <a:schemeClr val="accent1">
+                    <a:alpha val="75000"/>
+                  </a:schemeClr>
+                </a:glow>
+              </a:effectLst>
+              <a:latin typeface="HGP行書体" panose="03000600000000000000" pitchFamily="66" charset="-128"/>
+              <a:ea typeface="HGP行書体" panose="03000600000000000000" pitchFamily="66" charset="-128"/>
+            </a:endParaRPr>
+          </a:p>
+        </p:txBody>
+      </p:sp>
+      <p:sp>
+        <p:nvSpPr>
+          <p:cNvPr id="5" name="テキスト ボックス 4">
+            <a:extLst>
+              <a:ext uri="{FF2B5EF4-FFF2-40B4-BE49-F238E27FC236}">
+                <a16:creationId xmlns:a16="http://schemas.microsoft.com/office/drawing/2014/main" id="{AB764B76-E4F5-4E79-9FF0-4A260E403301}"/>
+              </a:ext>
+            </a:extLst>
+          </p:cNvPr>
+          <p:cNvSpPr txBox="1"/>
+          <p:nvPr/>
+        </p:nvSpPr>
+        <p:spPr>
+          <a:xfrm rot="557690">
+            <a:off x="8070527" y="295640"/>
+            <a:ext cx="4297971" cy="1077218"/>
+          </a:xfrm>
+          <a:prstGeom prst="rect">
+            <a:avLst/>
+          </a:prstGeom>
+          <a:noFill/>
+          <a:scene3d>
+            <a:camera prst="orthographicFront">
+              <a:rot lat="0" lon="0" rev="0"/>
+            </a:camera>
+            <a:lightRig rig="threePt" dir="t"/>
+          </a:scene3d>
+        </p:spPr>
+        <p:txBody>
+          <a:bodyPr wrap="none" rtlCol="0">
+            <a:spAutoFit/>
+          </a:bodyPr>
+          <a:lstStyle/>
+          <a:p>
+            <a:r>
+              <a:rPr kumimoji="1" lang="ja-JP" altLang="en-US" sz="2000" dirty="0">
+                <a:solidFill>
+                  <a:schemeClr val="bg1"/>
+                </a:solidFill>
+                <a:effectLst>
+                  <a:glow rad="254000">
+                    <a:schemeClr val="accent1">
+                      <a:alpha val="75000"/>
+                    </a:schemeClr>
+                  </a:glow>
+                </a:effectLst>
+                <a:latin typeface="HGP行書体" panose="03000600000000000000" pitchFamily="66" charset="-128"/>
+                <a:ea typeface="HGP行書体" panose="03000600000000000000" pitchFamily="66" charset="-128"/>
+              </a:rPr>
+              <a:t>敵が多くとも</a:t>
+            </a:r>
+            <a:r>
+              <a:rPr kumimoji="1" lang="ja-JP" altLang="en-US" sz="2800" dirty="0">
+                <a:solidFill>
+                  <a:schemeClr val="bg1"/>
+                </a:solidFill>
+                <a:effectLst>
+                  <a:glow rad="254000">
+                    <a:schemeClr val="accent1">
+                      <a:alpha val="75000"/>
+                    </a:schemeClr>
+                  </a:glow>
+                </a:effectLst>
+                <a:latin typeface="HGP行書体" panose="03000600000000000000" pitchFamily="66" charset="-128"/>
+                <a:ea typeface="HGP行書体" panose="03000600000000000000" pitchFamily="66" charset="-128"/>
+              </a:rPr>
+              <a:t>冷静に</a:t>
+            </a:r>
+            <a:r>
+              <a:rPr kumimoji="1" lang="ja-JP" altLang="en-US" sz="2000" dirty="0">
+                <a:solidFill>
+                  <a:schemeClr val="bg1"/>
+                </a:solidFill>
+                <a:effectLst>
+                  <a:glow rad="254000">
+                    <a:schemeClr val="accent1">
+                      <a:alpha val="75000"/>
+                    </a:schemeClr>
+                  </a:glow>
+                </a:effectLst>
+                <a:latin typeface="HGP行書体" panose="03000600000000000000" pitchFamily="66" charset="-128"/>
+                <a:ea typeface="HGP行書体" panose="03000600000000000000" pitchFamily="66" charset="-128"/>
+              </a:rPr>
+              <a:t>。</a:t>
+            </a:r>
+            <a:endParaRPr kumimoji="1" lang="en-US" altLang="ja-JP" sz="2000" dirty="0">
+              <a:solidFill>
+                <a:schemeClr val="bg1"/>
+              </a:solidFill>
+              <a:effectLst>
+                <a:glow rad="254000">
+                  <a:schemeClr val="accent1">
+                    <a:alpha val="75000"/>
+                  </a:schemeClr>
+                </a:glow>
+              </a:effectLst>
+              <a:latin typeface="HGP行書体" panose="03000600000000000000" pitchFamily="66" charset="-128"/>
+              <a:ea typeface="HGP行書体" panose="03000600000000000000" pitchFamily="66" charset="-128"/>
+            </a:endParaRPr>
+          </a:p>
+          <a:p>
+            <a:r>
+              <a:rPr lang="ja-JP" altLang="en-US" sz="3600" b="1" dirty="0">
+                <a:effectLst>
+                  <a:glow rad="381000">
+                    <a:srgbClr val="0066FF"/>
+                  </a:glow>
+                </a:effectLst>
+                <a:latin typeface="HGP行書体" panose="03000600000000000000" pitchFamily="66" charset="-128"/>
+                <a:ea typeface="HGP行書体" panose="03000600000000000000" pitchFamily="66" charset="-128"/>
+              </a:rPr>
+              <a:t>各個撃破</a:t>
+            </a:r>
+            <a:r>
+              <a:rPr lang="ja-JP" altLang="en-US" sz="2000" dirty="0">
+                <a:solidFill>
+                  <a:schemeClr val="bg1"/>
+                </a:solidFill>
+                <a:effectLst>
+                  <a:glow rad="254000">
+                    <a:schemeClr val="accent1">
+                      <a:alpha val="75000"/>
+                    </a:schemeClr>
+                  </a:glow>
+                </a:effectLst>
+                <a:latin typeface="HGP行書体" panose="03000600000000000000" pitchFamily="66" charset="-128"/>
+                <a:ea typeface="HGP行書体" panose="03000600000000000000" pitchFamily="66" charset="-128"/>
+              </a:rPr>
+              <a:t>で確実に足止めせよ。</a:t>
+            </a:r>
+            <a:endParaRPr kumimoji="1" lang="en-US" altLang="ja-JP" sz="2000" dirty="0">
+              <a:solidFill>
+                <a:schemeClr val="bg1"/>
+              </a:solidFill>
+              <a:effectLst>
+                <a:glow rad="254000">
+                  <a:schemeClr val="accent1">
+                    <a:alpha val="75000"/>
+                  </a:schemeClr>
+                </a:glow>
+              </a:effectLst>
+              <a:latin typeface="HGP行書体" panose="03000600000000000000" pitchFamily="66" charset="-128"/>
+              <a:ea typeface="HGP行書体" panose="03000600000000000000" pitchFamily="66" charset="-128"/>
+            </a:endParaRPr>
+          </a:p>
+        </p:txBody>
+      </p:sp>
+      <p:sp>
+        <p:nvSpPr>
+          <p:cNvPr id="6" name="テキスト ボックス 5">
+            <a:extLst>
+              <a:ext uri="{FF2B5EF4-FFF2-40B4-BE49-F238E27FC236}">
+                <a16:creationId xmlns:a16="http://schemas.microsoft.com/office/drawing/2014/main" id="{71B53619-956D-4EC6-94CF-FE07463ECB4D}"/>
+              </a:ext>
+            </a:extLst>
+          </p:cNvPr>
+          <p:cNvSpPr txBox="1"/>
+          <p:nvPr/>
+        </p:nvSpPr>
+        <p:spPr>
+          <a:xfrm rot="21208254">
+            <a:off x="7359286" y="2383570"/>
+            <a:ext cx="4249881" cy="1077218"/>
+          </a:xfrm>
+          <a:prstGeom prst="rect">
+            <a:avLst/>
+          </a:prstGeom>
+          <a:noFill/>
+          <a:scene3d>
+            <a:camera prst="orthographicFront">
+              <a:rot lat="0" lon="0" rev="0"/>
+            </a:camera>
+            <a:lightRig rig="threePt" dir="t"/>
+          </a:scene3d>
+        </p:spPr>
+        <p:txBody>
+          <a:bodyPr wrap="none" rtlCol="0">
+            <a:spAutoFit/>
+          </a:bodyPr>
+          <a:lstStyle/>
+          <a:p>
+            <a:r>
+              <a:rPr kumimoji="1" lang="ja-JP" altLang="en-US" sz="2800" dirty="0">
+                <a:solidFill>
+                  <a:schemeClr val="bg1"/>
+                </a:solidFill>
+                <a:effectLst>
+                  <a:glow rad="254000">
+                    <a:schemeClr val="accent1">
+                      <a:alpha val="75000"/>
+                    </a:schemeClr>
+                  </a:glow>
+                </a:effectLst>
+                <a:latin typeface="HGP行書体" panose="03000600000000000000" pitchFamily="66" charset="-128"/>
+                <a:ea typeface="HGP行書体" panose="03000600000000000000" pitchFamily="66" charset="-128"/>
+              </a:rPr>
+              <a:t>腕に覚え</a:t>
+            </a:r>
+            <a:r>
+              <a:rPr kumimoji="1" lang="ja-JP" altLang="en-US" sz="2000" dirty="0">
+                <a:solidFill>
+                  <a:schemeClr val="bg1"/>
+                </a:solidFill>
+                <a:effectLst>
+                  <a:glow rad="254000">
+                    <a:schemeClr val="accent1">
+                      <a:alpha val="75000"/>
+                    </a:schemeClr>
+                  </a:glow>
+                </a:effectLst>
+                <a:latin typeface="HGP行書体" panose="03000600000000000000" pitchFamily="66" charset="-128"/>
+                <a:ea typeface="HGP行書体" panose="03000600000000000000" pitchFamily="66" charset="-128"/>
+              </a:rPr>
+              <a:t>があるのなら</a:t>
+            </a:r>
+            <a:endParaRPr kumimoji="1" lang="en-US" altLang="ja-JP" sz="2000" dirty="0">
+              <a:solidFill>
+                <a:schemeClr val="bg1"/>
+              </a:solidFill>
+              <a:effectLst>
+                <a:glow rad="254000">
+                  <a:schemeClr val="accent1">
+                    <a:alpha val="75000"/>
+                  </a:schemeClr>
+                </a:glow>
+              </a:effectLst>
+              <a:latin typeface="HGP行書体" panose="03000600000000000000" pitchFamily="66" charset="-128"/>
+              <a:ea typeface="HGP行書体" panose="03000600000000000000" pitchFamily="66" charset="-128"/>
+            </a:endParaRPr>
+          </a:p>
+          <a:p>
+            <a:r>
+              <a:rPr lang="ja-JP" altLang="en-US" sz="3600" b="1" dirty="0">
+                <a:effectLst>
+                  <a:glow rad="381000">
+                    <a:srgbClr val="0066FF"/>
+                  </a:glow>
+                </a:effectLst>
+                <a:latin typeface="HGP行書体" panose="03000600000000000000" pitchFamily="66" charset="-128"/>
+                <a:ea typeface="HGP行書体" panose="03000600000000000000" pitchFamily="66" charset="-128"/>
+              </a:rPr>
+              <a:t>まとめて</a:t>
+            </a:r>
+            <a:r>
+              <a:rPr lang="ja-JP" altLang="en-US" sz="2000" dirty="0">
+                <a:solidFill>
+                  <a:schemeClr val="bg1"/>
+                </a:solidFill>
+                <a:effectLst>
+                  <a:glow rad="254000">
+                    <a:schemeClr val="accent1">
+                      <a:alpha val="75000"/>
+                    </a:schemeClr>
+                  </a:glow>
+                </a:effectLst>
+                <a:latin typeface="HGP行書体" panose="03000600000000000000" pitchFamily="66" charset="-128"/>
+                <a:ea typeface="HGP行書体" panose="03000600000000000000" pitchFamily="66" charset="-128"/>
+              </a:rPr>
+              <a:t>相手にするのも良いだろう。</a:t>
+            </a:r>
+            <a:endParaRPr kumimoji="1" lang="ja-JP" altLang="en-US" sz="2000" dirty="0">
+              <a:solidFill>
+                <a:schemeClr val="bg1"/>
+              </a:solidFill>
+              <a:effectLst>
+                <a:glow rad="254000">
+                  <a:schemeClr val="accent1">
+                    <a:alpha val="75000"/>
+                  </a:schemeClr>
+                </a:glow>
+              </a:effectLst>
+              <a:latin typeface="HGP行書体" panose="03000600000000000000" pitchFamily="66" charset="-128"/>
+              <a:ea typeface="HGP行書体" panose="03000600000000000000" pitchFamily="66" charset="-128"/>
+            </a:endParaRPr>
+          </a:p>
+        </p:txBody>
+      </p:sp>
+      <p:sp>
+        <p:nvSpPr>
+          <p:cNvPr id="7" name="テキスト ボックス 6">
+            <a:extLst>
+              <a:ext uri="{FF2B5EF4-FFF2-40B4-BE49-F238E27FC236}">
+                <a16:creationId xmlns:a16="http://schemas.microsoft.com/office/drawing/2014/main" id="{BC05F8F2-D3F1-406E-B99F-7999D3771589}"/>
+              </a:ext>
+            </a:extLst>
+          </p:cNvPr>
+          <p:cNvSpPr txBox="1"/>
+          <p:nvPr/>
+        </p:nvSpPr>
+        <p:spPr>
           <a:xfrm>
-            <a:off x="7626627" y="3717812"/>
-            <a:ext cx="4698723" cy="584775"/>
+            <a:off x="400532" y="5883888"/>
+            <a:ext cx="11388054" cy="923330"/>
           </a:xfrm>
           <a:prstGeom prst="rect">
             <a:avLst/>
@@ -4347,52 +4907,284 @@
           </a:bodyPr>
           <a:lstStyle/>
           <a:p>
-            <a:pPr algn="ctr"/>
             <a:r>
               <a:rPr kumimoji="1" lang="ja-JP" altLang="en-US" sz="3200" b="1" dirty="0">
+                <a:gradFill>
+                  <a:gsLst>
+                    <a:gs pos="0">
+                      <a:schemeClr val="accent1">
+                        <a:lumMod val="5000"/>
+                        <a:lumOff val="95000"/>
+                      </a:schemeClr>
+                    </a:gs>
+                    <a:gs pos="74000">
+                      <a:srgbClr val="0000FF"/>
+                    </a:gs>
+                    <a:gs pos="83000">
+                      <a:srgbClr val="000099"/>
+                    </a:gs>
+                    <a:gs pos="100000">
+                      <a:schemeClr val="tx1"/>
+                    </a:gs>
+                  </a:gsLst>
+                  <a:lin ang="5400000" scaled="1"/>
+                </a:gradFill>
                 <a:effectLst>
-                  <a:glow rad="190500">
+                  <a:glow rad="508000">
                     <a:schemeClr val="bg1">
-                      <a:alpha val="50000"/>
+                      <a:alpha val="90000"/>
                     </a:schemeClr>
                   </a:glow>
                 </a:effectLst>
+                <a:latin typeface="HGP行書体" panose="03000600000000000000" pitchFamily="66" charset="-128"/>
+                <a:ea typeface="HGP行書体" panose="03000600000000000000" pitchFamily="66" charset="-128"/>
               </a:rPr>
-              <a:t>闇に紛れて駆け抜け</a:t>
-            </a:r>
-            <a:r>
-              <a:rPr lang="ja-JP" altLang="en-US" sz="3200" b="1" dirty="0">
+              <a:t>敵は</a:t>
+            </a:r>
+            <a:r>
+              <a:rPr kumimoji="1" lang="ja-JP" altLang="en-US" sz="5400" b="1" dirty="0">
+                <a:gradFill>
+                  <a:gsLst>
+                    <a:gs pos="0">
+                      <a:schemeClr val="accent1">
+                        <a:lumMod val="5000"/>
+                        <a:lumOff val="95000"/>
+                      </a:schemeClr>
+                    </a:gs>
+                    <a:gs pos="74000">
+                      <a:srgbClr val="0000FF"/>
+                    </a:gs>
+                    <a:gs pos="83000">
+                      <a:srgbClr val="000099"/>
+                    </a:gs>
+                    <a:gs pos="100000">
+                      <a:schemeClr val="tx1"/>
+                    </a:gs>
+                  </a:gsLst>
+                  <a:lin ang="5400000" scaled="1"/>
+                </a:gradFill>
                 <a:effectLst>
-                  <a:glow rad="190500">
+                  <a:glow rad="508000">
                     <a:schemeClr val="bg1">
-                      <a:alpha val="50000"/>
+                      <a:alpha val="90000"/>
                     </a:schemeClr>
                   </a:glow>
                 </a:effectLst>
+                <a:latin typeface="HGP行書体" panose="03000600000000000000" pitchFamily="66" charset="-128"/>
+                <a:ea typeface="HGP行書体" panose="03000600000000000000" pitchFamily="66" charset="-128"/>
               </a:rPr>
-              <a:t>よ</a:t>
+              <a:t>殺さず</a:t>
             </a:r>
             <a:r>
               <a:rPr kumimoji="1" lang="ja-JP" altLang="en-US" sz="3200" b="1" dirty="0">
+                <a:gradFill>
+                  <a:gsLst>
+                    <a:gs pos="0">
+                      <a:schemeClr val="accent1">
+                        <a:lumMod val="5000"/>
+                        <a:lumOff val="95000"/>
+                      </a:schemeClr>
+                    </a:gs>
+                    <a:gs pos="74000">
+                      <a:srgbClr val="0000FF"/>
+                    </a:gs>
+                    <a:gs pos="83000">
+                      <a:srgbClr val="000099"/>
+                    </a:gs>
+                    <a:gs pos="100000">
+                      <a:schemeClr val="tx1"/>
+                    </a:gs>
+                  </a:gsLst>
+                  <a:lin ang="5400000" scaled="1"/>
+                </a:gradFill>
                 <a:effectLst>
-                  <a:glow rad="190500">
+                  <a:glow rad="508000">
                     <a:schemeClr val="bg1">
-                      <a:alpha val="50000"/>
+                      <a:alpha val="90000"/>
                     </a:schemeClr>
                   </a:glow>
                 </a:effectLst>
+                <a:latin typeface="HGP行書体" panose="03000600000000000000" pitchFamily="66" charset="-128"/>
+                <a:ea typeface="HGP行書体" panose="03000600000000000000" pitchFamily="66" charset="-128"/>
+              </a:rPr>
+              <a:t>、自分も</a:t>
+            </a:r>
+            <a:r>
+              <a:rPr kumimoji="1" lang="ja-JP" altLang="en-US" sz="5400" b="1" dirty="0">
+                <a:gradFill>
+                  <a:gsLst>
+                    <a:gs pos="0">
+                      <a:schemeClr val="accent1">
+                        <a:lumMod val="5000"/>
+                        <a:lumOff val="95000"/>
+                      </a:schemeClr>
+                    </a:gs>
+                    <a:gs pos="74000">
+                      <a:srgbClr val="0000FF"/>
+                    </a:gs>
+                    <a:gs pos="83000">
+                      <a:srgbClr val="000099"/>
+                    </a:gs>
+                    <a:gs pos="100000">
+                      <a:schemeClr val="tx1"/>
+                    </a:gs>
+                  </a:gsLst>
+                  <a:lin ang="5400000" scaled="1"/>
+                </a:gradFill>
+                <a:effectLst>
+                  <a:glow rad="508000">
+                    <a:schemeClr val="bg1">
+                      <a:alpha val="90000"/>
+                    </a:schemeClr>
+                  </a:glow>
+                </a:effectLst>
+                <a:latin typeface="HGP行書体" panose="03000600000000000000" pitchFamily="66" charset="-128"/>
+                <a:ea typeface="HGP行書体" panose="03000600000000000000" pitchFamily="66" charset="-128"/>
+              </a:rPr>
+              <a:t>死なず</a:t>
+            </a:r>
+            <a:r>
+              <a:rPr kumimoji="1" lang="ja-JP" altLang="en-US" sz="3200" b="1" dirty="0">
+                <a:gradFill>
+                  <a:gsLst>
+                    <a:gs pos="0">
+                      <a:schemeClr val="accent1">
+                        <a:lumMod val="5000"/>
+                        <a:lumOff val="95000"/>
+                      </a:schemeClr>
+                    </a:gs>
+                    <a:gs pos="74000">
+                      <a:srgbClr val="0000FF"/>
+                    </a:gs>
+                    <a:gs pos="83000">
+                      <a:srgbClr val="000099"/>
+                    </a:gs>
+                    <a:gs pos="100000">
+                      <a:schemeClr val="tx1"/>
+                    </a:gs>
+                  </a:gsLst>
+                  <a:lin ang="5400000" scaled="1"/>
+                </a:gradFill>
+                <a:effectLst>
+                  <a:glow rad="508000">
+                    <a:schemeClr val="bg1">
+                      <a:alpha val="90000"/>
+                    </a:schemeClr>
+                  </a:glow>
+                </a:effectLst>
+                <a:latin typeface="HGP行書体" panose="03000600000000000000" pitchFamily="66" charset="-128"/>
+                <a:ea typeface="HGP行書体" panose="03000600000000000000" pitchFamily="66" charset="-128"/>
+              </a:rPr>
+              <a:t>。必ずや任務を</a:t>
+            </a:r>
+            <a:r>
+              <a:rPr kumimoji="1" lang="ja-JP" altLang="en-US" sz="5400" b="1" dirty="0">
+                <a:gradFill>
+                  <a:gsLst>
+                    <a:gs pos="0">
+                      <a:schemeClr val="accent1">
+                        <a:lumMod val="5000"/>
+                        <a:lumOff val="95000"/>
+                      </a:schemeClr>
+                    </a:gs>
+                    <a:gs pos="74000">
+                      <a:srgbClr val="0000FF"/>
+                    </a:gs>
+                    <a:gs pos="83000">
+                      <a:srgbClr val="000099"/>
+                    </a:gs>
+                    <a:gs pos="100000">
+                      <a:schemeClr val="tx1"/>
+                    </a:gs>
+                  </a:gsLst>
+                  <a:lin ang="5400000" scaled="1"/>
+                </a:gradFill>
+                <a:effectLst>
+                  <a:glow rad="508000">
+                    <a:schemeClr val="bg1">
+                      <a:alpha val="90000"/>
+                    </a:schemeClr>
+                  </a:glow>
+                </a:effectLst>
+                <a:latin typeface="HGP行書体" panose="03000600000000000000" pitchFamily="66" charset="-128"/>
+                <a:ea typeface="HGP行書体" panose="03000600000000000000" pitchFamily="66" charset="-128"/>
+              </a:rPr>
+              <a:t>達成せよ</a:t>
+            </a:r>
+            <a:r>
+              <a:rPr kumimoji="1" lang="ja-JP" altLang="en-US" sz="3200" b="1" dirty="0">
+                <a:gradFill>
+                  <a:gsLst>
+                    <a:gs pos="0">
+                      <a:schemeClr val="accent1">
+                        <a:lumMod val="5000"/>
+                        <a:lumOff val="95000"/>
+                      </a:schemeClr>
+                    </a:gs>
+                    <a:gs pos="74000">
+                      <a:srgbClr val="0000FF"/>
+                    </a:gs>
+                    <a:gs pos="83000">
+                      <a:srgbClr val="000099"/>
+                    </a:gs>
+                    <a:gs pos="100000">
+                      <a:schemeClr val="tx1"/>
+                    </a:gs>
+                  </a:gsLst>
+                  <a:lin ang="5400000" scaled="1"/>
+                </a:gradFill>
+                <a:effectLst>
+                  <a:glow rad="508000">
+                    <a:schemeClr val="bg1">
+                      <a:alpha val="90000"/>
+                    </a:schemeClr>
+                  </a:glow>
+                </a:effectLst>
+                <a:latin typeface="HGP行書体" panose="03000600000000000000" pitchFamily="66" charset="-128"/>
+                <a:ea typeface="HGP行書体" panose="03000600000000000000" pitchFamily="66" charset="-128"/>
               </a:rPr>
               <a:t>。</a:t>
             </a:r>
-          </a:p>
-        </p:txBody>
-      </p:sp>
-      <p:sp>
-        <p:nvSpPr>
-          <p:cNvPr id="7" name="テキスト ボックス 6">
-            <a:extLst>
-              <a:ext uri="{FF2B5EF4-FFF2-40B4-BE49-F238E27FC236}">
-                <a16:creationId xmlns:a16="http://schemas.microsoft.com/office/drawing/2014/main" id="{D5F2B5E0-762D-4BD9-9B08-18C31D7F5C4A}"/>
+            <a:endParaRPr kumimoji="1" lang="ja-JP" altLang="en-US" sz="3600" b="1" dirty="0">
+              <a:gradFill>
+                <a:gsLst>
+                  <a:gs pos="0">
+                    <a:schemeClr val="accent1">
+                      <a:lumMod val="5000"/>
+                      <a:lumOff val="95000"/>
+                    </a:schemeClr>
+                  </a:gs>
+                  <a:gs pos="74000">
+                    <a:srgbClr val="0000FF"/>
+                  </a:gs>
+                  <a:gs pos="83000">
+                    <a:srgbClr val="000099"/>
+                  </a:gs>
+                  <a:gs pos="100000">
+                    <a:schemeClr val="tx1"/>
+                  </a:gs>
+                </a:gsLst>
+                <a:lin ang="5400000" scaled="1"/>
+              </a:gradFill>
+              <a:effectLst>
+                <a:glow rad="508000">
+                  <a:schemeClr val="bg1">
+                    <a:alpha val="90000"/>
+                  </a:schemeClr>
+                </a:glow>
+              </a:effectLst>
+              <a:latin typeface="HGP行書体" panose="03000600000000000000" pitchFamily="66" charset="-128"/>
+              <a:ea typeface="HGP行書体" panose="03000600000000000000" pitchFamily="66" charset="-128"/>
+            </a:endParaRPr>
+          </a:p>
+        </p:txBody>
+      </p:sp>
+      <p:sp>
+        <p:nvSpPr>
+          <p:cNvPr id="26" name="テキスト ボックス 25">
+            <a:extLst>
+              <a:ext uri="{FF2B5EF4-FFF2-40B4-BE49-F238E27FC236}">
+                <a16:creationId xmlns:a16="http://schemas.microsoft.com/office/drawing/2014/main" id="{60CB44C2-B203-41A7-9387-F9DDB4259FA3}"/>
               </a:ext>
             </a:extLst>
           </p:cNvPr>
@@ -4400,9 +5192,208 @@
           <p:nvPr/>
         </p:nvSpPr>
         <p:spPr>
+          <a:xfrm rot="669942">
+            <a:off x="7526451" y="4846468"/>
+            <a:ext cx="3326552" cy="1015663"/>
+          </a:xfrm>
+          <a:prstGeom prst="rect">
+            <a:avLst/>
+          </a:prstGeom>
+          <a:noFill/>
+          <a:scene3d>
+            <a:camera prst="orthographicFront">
+              <a:rot lat="0" lon="0" rev="0"/>
+            </a:camera>
+            <a:lightRig rig="threePt" dir="t"/>
+          </a:scene3d>
+        </p:spPr>
+        <p:txBody>
+          <a:bodyPr wrap="none" rtlCol="0">
+            <a:spAutoFit/>
+          </a:bodyPr>
+          <a:lstStyle/>
+          <a:p>
+            <a:r>
+              <a:rPr lang="ja-JP" altLang="en-US" sz="2800" dirty="0">
+                <a:solidFill>
+                  <a:schemeClr val="bg1"/>
+                </a:solidFill>
+                <a:effectLst>
+                  <a:glow rad="254000">
+                    <a:schemeClr val="accent1">
+                      <a:alpha val="75000"/>
+                    </a:schemeClr>
+                  </a:glow>
+                </a:effectLst>
+                <a:latin typeface="HGP行書体" panose="03000600000000000000" pitchFamily="66" charset="-128"/>
+                <a:ea typeface="HGP行書体" panose="03000600000000000000" pitchFamily="66" charset="-128"/>
+              </a:rPr>
+              <a:t>成功</a:t>
+            </a:r>
+            <a:r>
+              <a:rPr lang="ja-JP" altLang="en-US" sz="2000" dirty="0">
+                <a:solidFill>
+                  <a:schemeClr val="bg1"/>
+                </a:solidFill>
+                <a:effectLst>
+                  <a:glow rad="254000">
+                    <a:schemeClr val="accent1">
+                      <a:alpha val="75000"/>
+                    </a:schemeClr>
+                  </a:glow>
+                </a:effectLst>
+                <a:latin typeface="HGP行書体" panose="03000600000000000000" pitchFamily="66" charset="-128"/>
+                <a:ea typeface="HGP行書体" panose="03000600000000000000" pitchFamily="66" charset="-128"/>
+              </a:rPr>
+              <a:t>によって</a:t>
+            </a:r>
+            <a:endParaRPr lang="en-US" altLang="ja-JP" sz="2000" dirty="0">
+              <a:solidFill>
+                <a:schemeClr val="bg1"/>
+              </a:solidFill>
+              <a:effectLst>
+                <a:glow rad="254000">
+                  <a:schemeClr val="accent1">
+                    <a:alpha val="75000"/>
+                  </a:schemeClr>
+                </a:glow>
+              </a:effectLst>
+              <a:latin typeface="HGP行書体" panose="03000600000000000000" pitchFamily="66" charset="-128"/>
+              <a:ea typeface="HGP行書体" panose="03000600000000000000" pitchFamily="66" charset="-128"/>
+            </a:endParaRPr>
+          </a:p>
+          <a:p>
+            <a:r>
+              <a:rPr lang="ja-JP" altLang="en-US" sz="2000" dirty="0">
+                <a:solidFill>
+                  <a:schemeClr val="bg1"/>
+                </a:solidFill>
+                <a:effectLst>
+                  <a:glow rad="254000">
+                    <a:schemeClr val="accent1">
+                      <a:alpha val="75000"/>
+                    </a:schemeClr>
+                  </a:glow>
+                </a:effectLst>
+                <a:latin typeface="HGP行書体" panose="03000600000000000000" pitchFamily="66" charset="-128"/>
+                <a:ea typeface="HGP行書体" panose="03000600000000000000" pitchFamily="66" charset="-128"/>
+              </a:rPr>
+              <a:t>更に研ぎ澄まされる</a:t>
+            </a:r>
+            <a:r>
+              <a:rPr lang="ja-JP" altLang="en-US" sz="3200" b="1" dirty="0">
+                <a:effectLst>
+                  <a:glow rad="381000">
+                    <a:srgbClr val="0066FF"/>
+                  </a:glow>
+                </a:effectLst>
+                <a:latin typeface="HGP行書体" panose="03000600000000000000" pitchFamily="66" charset="-128"/>
+                <a:ea typeface="HGP行書体" panose="03000600000000000000" pitchFamily="66" charset="-128"/>
+              </a:rPr>
+              <a:t>瞬発力</a:t>
+            </a:r>
+            <a:endParaRPr lang="en-US" altLang="ja-JP" sz="2800" b="1" dirty="0">
+              <a:effectLst>
+                <a:glow rad="381000">
+                  <a:srgbClr val="0066FF"/>
+                </a:glow>
+              </a:effectLst>
+              <a:latin typeface="HGP行書体" panose="03000600000000000000" pitchFamily="66" charset="-128"/>
+              <a:ea typeface="HGP行書体" panose="03000600000000000000" pitchFamily="66" charset="-128"/>
+            </a:endParaRPr>
+          </a:p>
+        </p:txBody>
+      </p:sp>
+      <p:sp>
+        <p:nvSpPr>
+          <p:cNvPr id="2" name="テキスト ボックス 1">
+            <a:extLst>
+              <a:ext uri="{FF2B5EF4-FFF2-40B4-BE49-F238E27FC236}">
+                <a16:creationId xmlns:a16="http://schemas.microsoft.com/office/drawing/2014/main" id="{83A55709-ADBB-49D5-BC84-8628A78D66D8}"/>
+              </a:ext>
+            </a:extLst>
+          </p:cNvPr>
+          <p:cNvSpPr txBox="1"/>
+          <p:nvPr/>
+        </p:nvSpPr>
+        <p:spPr>
           <a:xfrm>
-            <a:off x="6841749" y="213642"/>
-            <a:ext cx="4288353" cy="584775"/>
+            <a:off x="5118809" y="703414"/>
+            <a:ext cx="1954381" cy="5286062"/>
+          </a:xfrm>
+          <a:prstGeom prst="rect">
+            <a:avLst/>
+          </a:prstGeom>
+          <a:noFill/>
+          <a:effectLst/>
+        </p:spPr>
+        <p:txBody>
+          <a:bodyPr vert="eaVert" wrap="none" rtlCol="0">
+            <a:spAutoFit/>
+          </a:bodyPr>
+          <a:lstStyle/>
+          <a:p>
+            <a:r>
+              <a:rPr lang="ja-JP" altLang="en-US" sz="11500" b="1" dirty="0">
+                <a:effectLst>
+                  <a:glow rad="635000">
+                    <a:schemeClr val="bg1">
+                      <a:alpha val="70000"/>
+                    </a:schemeClr>
+                  </a:glow>
+                </a:effectLst>
+                <a:latin typeface="HGP行書体" panose="03000600000000000000" pitchFamily="66" charset="-128"/>
+                <a:ea typeface="HGP行書体" panose="03000600000000000000" pitchFamily="66" charset="-128"/>
+              </a:rPr>
+              <a:t>瞬発</a:t>
+            </a:r>
+            <a:r>
+              <a:rPr lang="ja-JP" altLang="en-US" sz="9600" b="1" dirty="0">
+                <a:effectLst>
+                  <a:glow rad="635000">
+                    <a:schemeClr val="bg1">
+                      <a:alpha val="70000"/>
+                    </a:schemeClr>
+                  </a:glow>
+                </a:effectLst>
+                <a:latin typeface="HGP行書体" panose="03000600000000000000" pitchFamily="66" charset="-128"/>
+                <a:ea typeface="HGP行書体" panose="03000600000000000000" pitchFamily="66" charset="-128"/>
+              </a:rPr>
+              <a:t>の</a:t>
+            </a:r>
+            <a:r>
+              <a:rPr kumimoji="1" lang="ja-JP" altLang="en-US" sz="11500" b="1" dirty="0">
+                <a:effectLst>
+                  <a:glow rad="635000">
+                    <a:schemeClr val="bg1">
+                      <a:alpha val="70000"/>
+                    </a:schemeClr>
+                  </a:glow>
+                </a:effectLst>
+                <a:latin typeface="HGP行書体" panose="03000600000000000000" pitchFamily="66" charset="-128"/>
+                <a:ea typeface="HGP行書体" panose="03000600000000000000" pitchFamily="66" charset="-128"/>
+              </a:rPr>
+              <a:t>忍</a:t>
+            </a:r>
+          </a:p>
+        </p:txBody>
+      </p:sp>
+      <p:sp>
+        <p:nvSpPr>
+          <p:cNvPr id="11" name="テキスト ボックス 10">
+            <a:extLst>
+              <a:ext uri="{FF2B5EF4-FFF2-40B4-BE49-F238E27FC236}">
+                <a16:creationId xmlns:a16="http://schemas.microsoft.com/office/drawing/2014/main" id="{BECC6FBB-5782-4FE7-AFA2-F7239F1184E1}"/>
+              </a:ext>
+            </a:extLst>
+          </p:cNvPr>
+          <p:cNvSpPr txBox="1"/>
+          <p:nvPr/>
+        </p:nvSpPr>
+        <p:spPr>
+          <a:xfrm rot="21250482">
+            <a:off x="2814655" y="3825970"/>
+            <a:ext cx="6559809" cy="1107996"/>
           </a:xfrm>
           <a:prstGeom prst="rect">
             <a:avLst/>
@@ -4415,37 +5406,363 @@
           </a:bodyPr>
           <a:lstStyle/>
           <a:p>
-            <a:pPr algn="ctr"/>
-            <a:r>
-              <a:rPr lang="ja-JP" altLang="en-US" sz="3200" b="1" dirty="0">
+            <a:r>
+              <a:rPr lang="ja-JP" altLang="en-US" sz="6600" dirty="0">
+                <a:ln>
+                  <a:solidFill>
+                    <a:schemeClr val="bg1"/>
+                  </a:solidFill>
+                </a:ln>
+                <a:solidFill>
+                  <a:srgbClr val="0000FF"/>
+                </a:solidFill>
                 <a:effectLst>
-                  <a:glow rad="190500">
-                    <a:schemeClr val="bg1">
-                      <a:alpha val="50000"/>
+                  <a:glow rad="444500">
+                    <a:srgbClr val="00B050"/>
+                  </a:glow>
+                </a:effectLst>
+                <a:latin typeface="HGP行書体" panose="03000600000000000000" pitchFamily="66" charset="-128"/>
+                <a:ea typeface="HGP行書体" panose="03000600000000000000" pitchFamily="66" charset="-128"/>
+              </a:rPr>
+              <a:t>生還</a:t>
+            </a:r>
+            <a:r>
+              <a:rPr lang="ja-JP" altLang="en-US" sz="4400" dirty="0">
+                <a:ln>
+                  <a:solidFill>
+                    <a:schemeClr val="bg1"/>
+                  </a:solidFill>
+                </a:ln>
+                <a:solidFill>
+                  <a:srgbClr val="0000FF"/>
+                </a:solidFill>
+                <a:effectLst>
+                  <a:glow rad="444500">
+                    <a:srgbClr val="00B050"/>
+                  </a:glow>
+                </a:effectLst>
+                <a:latin typeface="HGP行書体" panose="03000600000000000000" pitchFamily="66" charset="-128"/>
+                <a:ea typeface="HGP行書体" panose="03000600000000000000" pitchFamily="66" charset="-128"/>
+              </a:rPr>
+              <a:t>までが</a:t>
+            </a:r>
+            <a:r>
+              <a:rPr lang="ja-JP" altLang="en-US" sz="6600" dirty="0">
+                <a:ln>
+                  <a:solidFill>
+                    <a:schemeClr val="bg1"/>
+                  </a:solidFill>
+                </a:ln>
+                <a:solidFill>
+                  <a:srgbClr val="0000FF"/>
+                </a:solidFill>
+                <a:effectLst>
+                  <a:glow rad="444500">
+                    <a:srgbClr val="00B050"/>
+                  </a:glow>
+                </a:effectLst>
+                <a:latin typeface="HGP行書体" panose="03000600000000000000" pitchFamily="66" charset="-128"/>
+                <a:ea typeface="HGP行書体" panose="03000600000000000000" pitchFamily="66" charset="-128"/>
+              </a:rPr>
+              <a:t>任務</a:t>
+            </a:r>
+            <a:r>
+              <a:rPr lang="ja-JP" altLang="en-US" sz="4400" dirty="0">
+                <a:ln>
+                  <a:solidFill>
+                    <a:schemeClr val="bg1"/>
+                  </a:solidFill>
+                </a:ln>
+                <a:solidFill>
+                  <a:srgbClr val="0000FF"/>
+                </a:solidFill>
+                <a:effectLst>
+                  <a:glow rad="444500">
+                    <a:srgbClr val="00B050"/>
+                  </a:glow>
+                </a:effectLst>
+                <a:latin typeface="HGP行書体" panose="03000600000000000000" pitchFamily="66" charset="-128"/>
+                <a:ea typeface="HGP行書体" panose="03000600000000000000" pitchFamily="66" charset="-128"/>
+              </a:rPr>
+              <a:t>である。</a:t>
+            </a:r>
+            <a:endParaRPr kumimoji="1" lang="en-US" altLang="ja-JP" sz="6000" dirty="0">
+              <a:ln>
+                <a:solidFill>
+                  <a:schemeClr val="bg1"/>
+                </a:solidFill>
+              </a:ln>
+              <a:solidFill>
+                <a:srgbClr val="0000FF"/>
+              </a:solidFill>
+              <a:effectLst>
+                <a:glow rad="444500">
+                  <a:srgbClr val="00B050"/>
+                </a:glow>
+              </a:effectLst>
+              <a:latin typeface="HGP行書体" panose="03000600000000000000" pitchFamily="66" charset="-128"/>
+              <a:ea typeface="HGP行書体" panose="03000600000000000000" pitchFamily="66" charset="-128"/>
+            </a:endParaRPr>
+          </a:p>
+        </p:txBody>
+      </p:sp>
+      <p:sp>
+        <p:nvSpPr>
+          <p:cNvPr id="10" name="テキスト ボックス 9">
+            <a:extLst>
+              <a:ext uri="{FF2B5EF4-FFF2-40B4-BE49-F238E27FC236}">
+                <a16:creationId xmlns:a16="http://schemas.microsoft.com/office/drawing/2014/main" id="{A3EEC2CB-B540-43D1-AD24-8956E2D04179}"/>
+              </a:ext>
+            </a:extLst>
+          </p:cNvPr>
+          <p:cNvSpPr txBox="1"/>
+          <p:nvPr/>
+        </p:nvSpPr>
+        <p:spPr>
+          <a:xfrm rot="476590">
+            <a:off x="95018" y="266807"/>
+            <a:ext cx="5492209" cy="1138773"/>
+          </a:xfrm>
+          <a:prstGeom prst="rect">
+            <a:avLst/>
+          </a:prstGeom>
+          <a:noFill/>
+          <a:effectLst>
+            <a:glow rad="127000">
+              <a:srgbClr val="0066FF"/>
+            </a:glow>
+          </a:effectLst>
+          <a:scene3d>
+            <a:camera prst="orthographicFront">
+              <a:rot lat="0" lon="0" rev="0"/>
+            </a:camera>
+            <a:lightRig rig="threePt" dir="t"/>
+          </a:scene3d>
+        </p:spPr>
+        <p:txBody>
+          <a:bodyPr wrap="none" rtlCol="0">
+            <a:spAutoFit/>
+          </a:bodyPr>
+          <a:lstStyle/>
+          <a:p>
+            <a:r>
+              <a:rPr lang="ja-JP" altLang="en-US" sz="3200" dirty="0">
+                <a:solidFill>
+                  <a:schemeClr val="bg1"/>
+                </a:solidFill>
+                <a:effectLst>
+                  <a:glow rad="254000">
+                    <a:schemeClr val="accent1">
+                      <a:alpha val="75000"/>
                     </a:schemeClr>
                   </a:glow>
                 </a:effectLst>
+                <a:latin typeface="HGP行書体" panose="03000600000000000000" pitchFamily="66" charset="-128"/>
+                <a:ea typeface="HGP行書体" panose="03000600000000000000" pitchFamily="66" charset="-128"/>
               </a:rPr>
-              <a:t>無益な殺生は好まぬ。</a:t>
-            </a:r>
-            <a:endParaRPr lang="en-US" altLang="ja-JP" sz="3200" b="1" dirty="0">
-              <a:effectLst>
-                <a:glow rad="190500">
-                  <a:schemeClr val="bg1">
-                    <a:alpha val="50000"/>
-                  </a:schemeClr>
-                </a:glow>
-              </a:effectLst>
-            </a:endParaRPr>
-          </a:p>
-        </p:txBody>
-      </p:sp>
-      <p:sp>
-        <p:nvSpPr>
-          <p:cNvPr id="9" name="テキスト ボックス 8">
-            <a:extLst>
-              <a:ext uri="{FF2B5EF4-FFF2-40B4-BE49-F238E27FC236}">
-                <a16:creationId xmlns:a16="http://schemas.microsoft.com/office/drawing/2014/main" id="{2533C7F8-743F-4125-BF72-98B389032FAC}"/>
+              <a:t>一流の忍</a:t>
+            </a:r>
+            <a:r>
+              <a:rPr lang="ja-JP" altLang="en-US" sz="2000" dirty="0">
+                <a:solidFill>
+                  <a:schemeClr val="bg1"/>
+                </a:solidFill>
+                <a:effectLst>
+                  <a:glow rad="254000">
+                    <a:schemeClr val="accent1">
+                      <a:alpha val="75000"/>
+                    </a:schemeClr>
+                  </a:glow>
+                </a:effectLst>
+                <a:latin typeface="HGP行書体" panose="03000600000000000000" pitchFamily="66" charset="-128"/>
+                <a:ea typeface="HGP行書体" panose="03000600000000000000" pitchFamily="66" charset="-128"/>
+              </a:rPr>
+              <a:t>たる者無益な</a:t>
+            </a:r>
+            <a:r>
+              <a:rPr lang="ja-JP" altLang="en-US" sz="3600" b="1" dirty="0">
+                <a:effectLst>
+                  <a:glow rad="381000">
+                    <a:srgbClr val="0066FF"/>
+                  </a:glow>
+                </a:effectLst>
+                <a:latin typeface="HGP行書体" panose="03000600000000000000" pitchFamily="66" charset="-128"/>
+                <a:ea typeface="HGP行書体" panose="03000600000000000000" pitchFamily="66" charset="-128"/>
+              </a:rPr>
+              <a:t>殺生はせぬ</a:t>
+            </a:r>
+            <a:r>
+              <a:rPr lang="ja-JP" altLang="en-US" sz="2000" b="1" dirty="0">
+                <a:effectLst>
+                  <a:glow rad="381000">
+                    <a:srgbClr val="0066FF"/>
+                  </a:glow>
+                </a:effectLst>
+                <a:latin typeface="HGP行書体" panose="03000600000000000000" pitchFamily="66" charset="-128"/>
+                <a:ea typeface="HGP行書体" panose="03000600000000000000" pitchFamily="66" charset="-128"/>
+              </a:rPr>
+              <a:t>。</a:t>
+            </a:r>
+          </a:p>
+          <a:p>
+            <a:r>
+              <a:rPr kumimoji="1" lang="ja-JP" altLang="en-US" sz="2000" dirty="0">
+                <a:solidFill>
+                  <a:schemeClr val="bg1"/>
+                </a:solidFill>
+                <a:effectLst>
+                  <a:glow rad="254000">
+                    <a:schemeClr val="accent1">
+                      <a:alpha val="75000"/>
+                    </a:schemeClr>
+                  </a:glow>
+                </a:effectLst>
+                <a:latin typeface="HGP行書体" panose="03000600000000000000" pitchFamily="66" charset="-128"/>
+                <a:ea typeface="HGP行書体" panose="03000600000000000000" pitchFamily="66" charset="-128"/>
+              </a:rPr>
+              <a:t>絶対に殺すことはせず</a:t>
+            </a:r>
+            <a:r>
+              <a:rPr kumimoji="1" lang="ja-JP" altLang="en-US" sz="3200" dirty="0">
+                <a:solidFill>
+                  <a:schemeClr val="bg1"/>
+                </a:solidFill>
+                <a:effectLst>
+                  <a:glow rad="254000">
+                    <a:schemeClr val="accent1">
+                      <a:alpha val="75000"/>
+                    </a:schemeClr>
+                  </a:glow>
+                </a:effectLst>
+                <a:latin typeface="HGP行書体" panose="03000600000000000000" pitchFamily="66" charset="-128"/>
+                <a:ea typeface="HGP行書体" panose="03000600000000000000" pitchFamily="66" charset="-128"/>
+              </a:rPr>
+              <a:t>戦闘不能</a:t>
+            </a:r>
+            <a:r>
+              <a:rPr lang="ja-JP" altLang="en-US" sz="2000" dirty="0">
+                <a:solidFill>
+                  <a:schemeClr val="bg1"/>
+                </a:solidFill>
+                <a:effectLst>
+                  <a:glow rad="254000">
+                    <a:schemeClr val="accent1">
+                      <a:alpha val="75000"/>
+                    </a:schemeClr>
+                  </a:glow>
+                </a:effectLst>
+                <a:latin typeface="HGP行書体" panose="03000600000000000000" pitchFamily="66" charset="-128"/>
+                <a:ea typeface="HGP行書体" panose="03000600000000000000" pitchFamily="66" charset="-128"/>
+              </a:rPr>
+              <a:t>にせよ</a:t>
+            </a:r>
+            <a:r>
+              <a:rPr kumimoji="1" lang="ja-JP" altLang="en-US" sz="2000" dirty="0">
+                <a:solidFill>
+                  <a:schemeClr val="bg1"/>
+                </a:solidFill>
+                <a:effectLst>
+                  <a:glow rad="254000">
+                    <a:schemeClr val="accent1">
+                      <a:alpha val="75000"/>
+                    </a:schemeClr>
+                  </a:glow>
+                </a:effectLst>
+                <a:latin typeface="HGP行書体" panose="03000600000000000000" pitchFamily="66" charset="-128"/>
+                <a:ea typeface="HGP行書体" panose="03000600000000000000" pitchFamily="66" charset="-128"/>
+              </a:rPr>
+              <a:t>。</a:t>
+            </a:r>
+          </a:p>
+        </p:txBody>
+      </p:sp>
+    </p:spTree>
+    <p:extLst>
+      <p:ext uri="{BB962C8B-B14F-4D97-AF65-F5344CB8AC3E}">
+        <p14:creationId xmlns:p14="http://schemas.microsoft.com/office/powerpoint/2010/main" val="2239028372"/>
+      </p:ext>
+    </p:extLst>
+  </p:cSld>
+  <p:clrMapOvr>
+    <a:masterClrMapping/>
+  </p:clrMapOvr>
+</p:sld>
+</file>
+
+<file path=ppt/slides/slide2.xml><?xml version="1.0" encoding="utf-8"?>
+<p:sld xmlns:a="http://schemas.openxmlformats.org/drawingml/2006/main" xmlns:r="http://schemas.openxmlformats.org/officeDocument/2006/relationships" xmlns:p="http://schemas.openxmlformats.org/presentationml/2006/main">
+  <p:cSld>
+    <p:spTree>
+      <p:nvGrpSpPr>
+        <p:cNvPr id="1" name=""/>
+        <p:cNvGrpSpPr/>
+        <p:nvPr/>
+      </p:nvGrpSpPr>
+      <p:grpSpPr>
+        <a:xfrm>
+          <a:off x="0" y="0"/>
+          <a:ext cx="0" cy="0"/>
+          <a:chOff x="0" y="0"/>
+          <a:chExt cx="0" cy="0"/>
+        </a:xfrm>
+      </p:grpSpPr>
+      <p:sp>
+        <p:nvSpPr>
+          <p:cNvPr id="2" name="タイトル 1">
+            <a:extLst>
+              <a:ext uri="{FF2B5EF4-FFF2-40B4-BE49-F238E27FC236}">
+                <a16:creationId xmlns:a16="http://schemas.microsoft.com/office/drawing/2014/main" id="{B6C849D2-0280-43E4-B31A-A8317D4A12EC}"/>
+              </a:ext>
+            </a:extLst>
+          </p:cNvPr>
+          <p:cNvSpPr>
+            <a:spLocks noGrp="1"/>
+          </p:cNvSpPr>
+          <p:nvPr>
+            <p:ph type="title"/>
+          </p:nvPr>
+        </p:nvSpPr>
+        <p:spPr>
+          <a:xfrm>
+            <a:off x="0" y="-4207"/>
+            <a:ext cx="5416062" cy="707537"/>
+          </a:xfrm>
+        </p:spPr>
+        <p:txBody>
+          <a:bodyPr>
+            <a:noAutofit/>
+          </a:bodyPr>
+          <a:lstStyle/>
+          <a:p>
+            <a:r>
+              <a:rPr kumimoji="1" lang="ja-JP" altLang="en-US" sz="2400" dirty="0"/>
+              <a:t>ステルス</a:t>
+            </a:r>
+            <a:r>
+              <a:rPr lang="ja-JP" altLang="en-US" sz="2400" dirty="0"/>
+              <a:t>じゃない</a:t>
+            </a:r>
+            <a:r>
+              <a:rPr lang="en-US" altLang="ja-JP" sz="2400" dirty="0"/>
+              <a:t>1</a:t>
+            </a:r>
+            <a:r>
+              <a:rPr kumimoji="1" lang="en-US" altLang="ja-JP" sz="2400" dirty="0"/>
+              <a:t> </a:t>
+            </a:r>
+            <a:r>
+              <a:rPr kumimoji="1" lang="ja-JP" altLang="en-US" sz="2400" dirty="0"/>
+              <a:t>ジャスト回避やつ</a:t>
+            </a:r>
+          </a:p>
+        </p:txBody>
+      </p:sp>
+      <p:sp>
+        <p:nvSpPr>
+          <p:cNvPr id="4" name="テキスト ボックス 3">
+            <a:extLst>
+              <a:ext uri="{FF2B5EF4-FFF2-40B4-BE49-F238E27FC236}">
+                <a16:creationId xmlns:a16="http://schemas.microsoft.com/office/drawing/2014/main" id="{601B41CC-E79C-47C8-A5DD-6CFF1AC1CF89}"/>
               </a:ext>
             </a:extLst>
           </p:cNvPr>
@@ -4454,8 +5771,8 @@
         </p:nvSpPr>
         <p:spPr>
           <a:xfrm>
-            <a:off x="6902000" y="710600"/>
-            <a:ext cx="4339650" cy="1200329"/>
+            <a:off x="720587" y="948079"/>
+            <a:ext cx="2954655" cy="369332"/>
           </a:xfrm>
           <a:prstGeom prst="rect">
             <a:avLst/>
@@ -4469,116 +5786,19 @@
           <a:lstStyle/>
           <a:p>
             <a:r>
-              <a:rPr lang="ja-JP" altLang="en-US" dirty="0">
-                <a:solidFill>
-                  <a:schemeClr val="bg1"/>
-                </a:solidFill>
-                <a:effectLst>
-                  <a:glow rad="63500">
-                    <a:schemeClr val="tx1">
-                      <a:alpha val="40000"/>
-                    </a:schemeClr>
-                  </a:glow>
-                </a:effectLst>
-              </a:rPr>
-              <a:t>一流の忍たる者攻撃は行わぬ。</a:t>
-            </a:r>
-            <a:endParaRPr lang="en-US" altLang="ja-JP" dirty="0">
-              <a:solidFill>
-                <a:schemeClr val="bg1"/>
-              </a:solidFill>
-              <a:effectLst>
-                <a:glow rad="63500">
-                  <a:schemeClr val="tx1">
-                    <a:alpha val="40000"/>
-                  </a:schemeClr>
-                </a:glow>
-              </a:effectLst>
-            </a:endParaRPr>
-          </a:p>
-          <a:p>
-            <a:r>
-              <a:rPr lang="ja-JP" altLang="en-US" dirty="0">
-                <a:solidFill>
-                  <a:schemeClr val="bg1"/>
-                </a:solidFill>
-                <a:effectLst>
-                  <a:glow rad="63500">
-                    <a:schemeClr val="tx1">
-                      <a:alpha val="40000"/>
-                    </a:schemeClr>
-                  </a:glow>
-                </a:effectLst>
-              </a:rPr>
-              <a:t>必要以上の接触は禁物であろう。</a:t>
-            </a:r>
-            <a:endParaRPr lang="en-US" altLang="ja-JP" dirty="0">
-              <a:solidFill>
-                <a:schemeClr val="bg1"/>
-              </a:solidFill>
-              <a:effectLst>
-                <a:glow rad="63500">
-                  <a:schemeClr val="tx1">
-                    <a:alpha val="40000"/>
-                  </a:schemeClr>
-                </a:glow>
-              </a:effectLst>
-            </a:endParaRPr>
-          </a:p>
-          <a:p>
-            <a:r>
-              <a:rPr lang="ja-JP" altLang="en-US" dirty="0">
-                <a:solidFill>
-                  <a:schemeClr val="bg1"/>
-                </a:solidFill>
-                <a:effectLst>
-                  <a:glow rad="63500">
-                    <a:schemeClr val="tx1">
-                      <a:alpha val="40000"/>
-                    </a:schemeClr>
-                  </a:glow>
-                </a:effectLst>
-              </a:rPr>
-              <a:t>例え仕掛けられても決して命は奪わぬ。</a:t>
-            </a:r>
-            <a:endParaRPr lang="en-US" altLang="ja-JP" dirty="0">
-              <a:solidFill>
-                <a:schemeClr val="bg1"/>
-              </a:solidFill>
-              <a:effectLst>
-                <a:glow rad="63500">
-                  <a:schemeClr val="tx1">
-                    <a:alpha val="40000"/>
-                  </a:schemeClr>
-                </a:glow>
-              </a:effectLst>
-            </a:endParaRPr>
-          </a:p>
-          <a:p>
-            <a:r>
-              <a:rPr kumimoji="1" lang="ja-JP" altLang="en-US" dirty="0">
-                <a:solidFill>
-                  <a:schemeClr val="bg1"/>
-                </a:solidFill>
-                <a:effectLst>
-                  <a:glow rad="63500">
-                    <a:schemeClr val="tx1">
-                      <a:alpha val="40000"/>
-                    </a:schemeClr>
-                  </a:glow>
-                </a:effectLst>
-              </a:rPr>
-              <a:t>目を眩ませてやり過ごすべし。</a:t>
-            </a:r>
-          </a:p>
-        </p:txBody>
-      </p:sp>
-      <p:sp>
-        <p:nvSpPr>
-          <p:cNvPr id="11" name="テキスト ボックス 10">
-            <a:extLst>
-              <a:ext uri="{FF2B5EF4-FFF2-40B4-BE49-F238E27FC236}">
-                <a16:creationId xmlns:a16="http://schemas.microsoft.com/office/drawing/2014/main" id="{BECC6FBB-5782-4FE7-AFA2-F7239F1184E1}"/>
+              <a:rPr lang="ja-JP" altLang="en-US" dirty="0"/>
+              <a:t>プレイヤーは攻撃できない</a:t>
+            </a:r>
+            <a:endParaRPr kumimoji="1" lang="ja-JP" altLang="en-US" dirty="0"/>
+          </a:p>
+        </p:txBody>
+      </p:sp>
+      <p:sp>
+        <p:nvSpPr>
+          <p:cNvPr id="5" name="テキスト ボックス 4">
+            <a:extLst>
+              <a:ext uri="{FF2B5EF4-FFF2-40B4-BE49-F238E27FC236}">
+                <a16:creationId xmlns:a16="http://schemas.microsoft.com/office/drawing/2014/main" id="{9E89F19A-F53E-41D5-9F3D-7D81F3BA6FE7}"/>
               </a:ext>
             </a:extLst>
           </p:cNvPr>
@@ -4587,8 +5807,8 @@
         </p:nvSpPr>
         <p:spPr>
           <a:xfrm>
-            <a:off x="6702287" y="5998027"/>
-            <a:ext cx="2954655" cy="646331"/>
+            <a:off x="991481" y="3452227"/>
+            <a:ext cx="3877985" cy="369332"/>
           </a:xfrm>
           <a:prstGeom prst="rect">
             <a:avLst/>
@@ -4602,70 +5822,18 @@
           <a:lstStyle/>
           <a:p>
             <a:r>
-              <a:rPr kumimoji="1" lang="ja-JP" altLang="en-US" dirty="0">
-                <a:solidFill>
-                  <a:schemeClr val="bg1"/>
-                </a:solidFill>
-                <a:effectLst>
-                  <a:glow rad="63500">
-                    <a:schemeClr val="tx1">
-                      <a:alpha val="40000"/>
-                    </a:schemeClr>
-                  </a:glow>
-                </a:effectLst>
-              </a:rPr>
-              <a:t>忍の本質は潜伏にあり。</a:t>
-            </a:r>
-            <a:endParaRPr kumimoji="1" lang="en-US" altLang="ja-JP" dirty="0">
-              <a:solidFill>
-                <a:schemeClr val="bg1"/>
-              </a:solidFill>
-              <a:effectLst>
-                <a:glow rad="63500">
-                  <a:schemeClr val="tx1">
-                    <a:alpha val="40000"/>
-                  </a:schemeClr>
-                </a:glow>
-              </a:effectLst>
-            </a:endParaRPr>
-          </a:p>
-          <a:p>
-            <a:r>
-              <a:rPr kumimoji="1" lang="ja-JP" altLang="en-US" dirty="0">
-                <a:solidFill>
-                  <a:schemeClr val="bg1"/>
-                </a:solidFill>
-                <a:effectLst>
-                  <a:glow rad="63500">
-                    <a:schemeClr val="tx1">
-                      <a:alpha val="40000"/>
-                    </a:schemeClr>
-                  </a:glow>
-                </a:effectLst>
-              </a:rPr>
-              <a:t>己を闇とし目的を達せよ。</a:t>
-            </a:r>
-            <a:endParaRPr kumimoji="1" lang="en-US" altLang="ja-JP" dirty="0">
-              <a:solidFill>
-                <a:schemeClr val="bg1"/>
-              </a:solidFill>
-              <a:effectLst>
-                <a:glow rad="63500">
-                  <a:schemeClr val="tx1">
-                    <a:alpha val="40000"/>
-                  </a:schemeClr>
-                </a:glow>
-              </a:effectLst>
-            </a:endParaRPr>
-          </a:p>
-        </p:txBody>
-      </p:sp>
-      <p:sp>
-        <p:nvSpPr>
-          <p:cNvPr id="13" name="テキスト ボックス 12">
-            <a:extLst>
-              <a:ext uri="{FF2B5EF4-FFF2-40B4-BE49-F238E27FC236}">
-                <a16:creationId xmlns:a16="http://schemas.microsoft.com/office/drawing/2014/main" id="{CC2BC8C3-4F8D-447D-894B-081361C6079E}"/>
+              <a:rPr kumimoji="1" lang="ja-JP" altLang="en-US" dirty="0"/>
+              <a:t>敵に見つかると警戒ゲージが上がる</a:t>
+            </a:r>
+          </a:p>
+        </p:txBody>
+      </p:sp>
+      <p:sp>
+        <p:nvSpPr>
+          <p:cNvPr id="7" name="テキスト ボックス 6">
+            <a:extLst>
+              <a:ext uri="{FF2B5EF4-FFF2-40B4-BE49-F238E27FC236}">
+                <a16:creationId xmlns:a16="http://schemas.microsoft.com/office/drawing/2014/main" id="{7BEF9BCB-486A-4727-903C-9BD2B419766E}"/>
               </a:ext>
             </a:extLst>
           </p:cNvPr>
@@ -4674,8 +5842,8 @@
         </p:nvSpPr>
         <p:spPr>
           <a:xfrm>
-            <a:off x="481082" y="611832"/>
-            <a:ext cx="3057247" cy="584775"/>
+            <a:off x="3675242" y="800123"/>
+            <a:ext cx="2262158" cy="369332"/>
           </a:xfrm>
           <a:prstGeom prst="rect">
             <a:avLst/>
@@ -4688,37 +5856,19 @@
           </a:bodyPr>
           <a:lstStyle/>
           <a:p>
-            <a:pPr algn="ctr"/>
-            <a:r>
-              <a:rPr lang="ja-JP" altLang="en-US" sz="3200" b="1" dirty="0">
-                <a:effectLst>
-                  <a:glow rad="190500">
-                    <a:schemeClr val="bg1">
-                      <a:alpha val="50000"/>
-                    </a:schemeClr>
-                  </a:glow>
-                </a:effectLst>
-              </a:rPr>
-              <a:t>目的を果たせ。</a:t>
-            </a:r>
-            <a:endParaRPr lang="en-US" altLang="ja-JP" sz="3200" b="1" dirty="0">
-              <a:effectLst>
-                <a:glow rad="190500">
-                  <a:schemeClr val="bg1">
-                    <a:alpha val="50000"/>
-                  </a:schemeClr>
-                </a:glow>
-              </a:effectLst>
-            </a:endParaRPr>
-          </a:p>
-        </p:txBody>
-      </p:sp>
-      <p:sp>
-        <p:nvSpPr>
-          <p:cNvPr id="14" name="テキスト ボックス 13">
-            <a:extLst>
-              <a:ext uri="{FF2B5EF4-FFF2-40B4-BE49-F238E27FC236}">
-                <a16:creationId xmlns:a16="http://schemas.microsoft.com/office/drawing/2014/main" id="{D856B1AA-E6AD-468A-A01F-7EA19C8F2929}"/>
+            <a:r>
+              <a:rPr kumimoji="1" lang="ja-JP" altLang="en-US" dirty="0"/>
+              <a:t>敵は攻撃をしてくる</a:t>
+            </a:r>
+          </a:p>
+        </p:txBody>
+      </p:sp>
+      <p:sp>
+        <p:nvSpPr>
+          <p:cNvPr id="8" name="テキスト ボックス 7">
+            <a:extLst>
+              <a:ext uri="{FF2B5EF4-FFF2-40B4-BE49-F238E27FC236}">
+                <a16:creationId xmlns:a16="http://schemas.microsoft.com/office/drawing/2014/main" id="{9A528822-8844-4898-9C41-FB3CCB638E27}"/>
               </a:ext>
             </a:extLst>
           </p:cNvPr>
@@ -4727,8 +5877,8 @@
         </p:nvSpPr>
         <p:spPr>
           <a:xfrm>
-            <a:off x="0" y="3547419"/>
-            <a:ext cx="4108817" cy="1200329"/>
+            <a:off x="991481" y="1258550"/>
+            <a:ext cx="5673348" cy="369332"/>
           </a:xfrm>
           <a:prstGeom prst="rect">
             <a:avLst/>
@@ -4742,126 +5892,339 @@
           <a:lstStyle/>
           <a:p>
             <a:r>
-              <a:rPr lang="ja-JP" altLang="en-US" dirty="0">
-                <a:solidFill>
-                  <a:schemeClr val="bg1"/>
-                </a:solidFill>
-                <a:effectLst>
-                  <a:glow rad="63500">
-                    <a:schemeClr val="tx1">
-                      <a:alpha val="40000"/>
-                    </a:schemeClr>
-                  </a:glow>
-                </a:effectLst>
-              </a:rPr>
-              <a:t>此度の任務は財宝の奪取。</a:t>
-            </a:r>
-            <a:endParaRPr kumimoji="1" lang="en-US" altLang="ja-JP" dirty="0">
-              <a:solidFill>
-                <a:schemeClr val="bg1"/>
-              </a:solidFill>
-              <a:effectLst>
-                <a:glow rad="63500">
-                  <a:schemeClr val="tx1">
-                    <a:alpha val="40000"/>
-                  </a:schemeClr>
-                </a:glow>
-              </a:effectLst>
-            </a:endParaRPr>
-          </a:p>
-          <a:p>
-            <a:r>
-              <a:rPr lang="ja-JP" altLang="en-US" dirty="0">
-                <a:solidFill>
-                  <a:schemeClr val="bg1"/>
-                </a:solidFill>
-                <a:effectLst>
-                  <a:glow rad="63500">
-                    <a:schemeClr val="tx1">
-                      <a:alpha val="40000"/>
-                    </a:schemeClr>
-                  </a:glow>
-                </a:effectLst>
-              </a:rPr>
-              <a:t>撤退までが任務である。</a:t>
-            </a:r>
-            <a:endParaRPr lang="en-US" altLang="ja-JP" dirty="0">
-              <a:solidFill>
-                <a:schemeClr val="bg1"/>
-              </a:solidFill>
-              <a:effectLst>
-                <a:glow rad="63500">
-                  <a:schemeClr val="tx1">
-                    <a:alpha val="40000"/>
-                  </a:schemeClr>
-                </a:glow>
-              </a:effectLst>
-            </a:endParaRPr>
-          </a:p>
-          <a:p>
-            <a:r>
-              <a:rPr lang="ja-JP" altLang="en-US" dirty="0">
-                <a:solidFill>
-                  <a:schemeClr val="bg1"/>
-                </a:solidFill>
-                <a:effectLst>
-                  <a:glow rad="63500">
-                    <a:schemeClr val="tx1">
-                      <a:alpha val="40000"/>
-                    </a:schemeClr>
-                  </a:glow>
-                </a:effectLst>
-              </a:rPr>
-              <a:t>気取られずに必ずや生きて帰るよう。</a:t>
-            </a:r>
-            <a:endParaRPr lang="en-US" altLang="ja-JP" dirty="0">
-              <a:solidFill>
-                <a:schemeClr val="bg1"/>
-              </a:solidFill>
-              <a:effectLst>
-                <a:glow rad="63500">
-                  <a:schemeClr val="tx1">
-                    <a:alpha val="40000"/>
-                  </a:schemeClr>
-                </a:glow>
-              </a:effectLst>
-            </a:endParaRPr>
-          </a:p>
-          <a:p>
-            <a:r>
-              <a:rPr kumimoji="1" lang="ja-JP" altLang="en-US" dirty="0">
-                <a:solidFill>
-                  <a:schemeClr val="bg1"/>
-                </a:solidFill>
-                <a:effectLst>
-                  <a:glow rad="63500">
-                    <a:schemeClr val="tx1">
-                      <a:alpha val="40000"/>
-                    </a:schemeClr>
-                  </a:glow>
-                </a:effectLst>
-              </a:rPr>
-              <a:t>生還した暁には褒美を与えよう。</a:t>
-            </a:r>
-            <a:endParaRPr kumimoji="1" lang="en-US" altLang="ja-JP" dirty="0">
-              <a:solidFill>
-                <a:schemeClr val="bg1"/>
-              </a:solidFill>
-              <a:effectLst>
-                <a:glow rad="63500">
-                  <a:schemeClr val="tx1">
-                    <a:alpha val="40000"/>
-                  </a:schemeClr>
-                </a:glow>
-              </a:effectLst>
-            </a:endParaRPr>
+              <a:rPr kumimoji="1" lang="ja-JP" altLang="en-US" dirty="0"/>
+              <a:t>攻撃をジャスト回避するとカウンター攻撃</a:t>
+            </a:r>
+            <a:r>
+              <a:rPr kumimoji="1" lang="en-US" altLang="ja-JP" dirty="0"/>
+              <a:t>(</a:t>
+            </a:r>
+            <a:r>
+              <a:rPr kumimoji="1" lang="ja-JP" altLang="en-US" dirty="0"/>
+              <a:t>目つぶし</a:t>
+            </a:r>
+            <a:r>
+              <a:rPr kumimoji="1" lang="en-US" altLang="ja-JP" dirty="0"/>
+              <a:t>)</a:t>
+            </a:r>
+            <a:endParaRPr kumimoji="1" lang="ja-JP" altLang="en-US" dirty="0"/>
+          </a:p>
+        </p:txBody>
+      </p:sp>
+      <p:sp>
+        <p:nvSpPr>
+          <p:cNvPr id="9" name="テキスト ボックス 8">
+            <a:extLst>
+              <a:ext uri="{FF2B5EF4-FFF2-40B4-BE49-F238E27FC236}">
+                <a16:creationId xmlns:a16="http://schemas.microsoft.com/office/drawing/2014/main" id="{9AE4144C-0B9E-478E-9C2D-2D97161E3A6B}"/>
+              </a:ext>
+            </a:extLst>
+          </p:cNvPr>
+          <p:cNvSpPr txBox="1"/>
+          <p:nvPr/>
+        </p:nvSpPr>
+        <p:spPr>
+          <a:xfrm>
+            <a:off x="991481" y="3781082"/>
+            <a:ext cx="5262979" cy="369332"/>
+          </a:xfrm>
+          <a:prstGeom prst="rect">
+            <a:avLst/>
+          </a:prstGeom>
+          <a:noFill/>
+        </p:spPr>
+        <p:txBody>
+          <a:bodyPr wrap="none" rtlCol="0">
+            <a:spAutoFit/>
+          </a:bodyPr>
+          <a:lstStyle/>
+          <a:p>
+            <a:r>
+              <a:rPr kumimoji="1" lang="ja-JP" altLang="en-US" dirty="0"/>
+              <a:t>警戒ゲージが上がるとさらに見つかりやすくなる</a:t>
+            </a:r>
+          </a:p>
+        </p:txBody>
+      </p:sp>
+      <p:sp>
+        <p:nvSpPr>
+          <p:cNvPr id="10" name="テキスト ボックス 9">
+            <a:extLst>
+              <a:ext uri="{FF2B5EF4-FFF2-40B4-BE49-F238E27FC236}">
+                <a16:creationId xmlns:a16="http://schemas.microsoft.com/office/drawing/2014/main" id="{D242156F-F191-4BA2-8C04-8B476B85D2FD}"/>
+              </a:ext>
+            </a:extLst>
+          </p:cNvPr>
+          <p:cNvSpPr txBox="1"/>
+          <p:nvPr/>
+        </p:nvSpPr>
+        <p:spPr>
+          <a:xfrm>
+            <a:off x="1294686" y="1645780"/>
+            <a:ext cx="4801314" cy="923330"/>
+          </a:xfrm>
+          <a:prstGeom prst="rect">
+            <a:avLst/>
+          </a:prstGeom>
+          <a:noFill/>
+        </p:spPr>
+        <p:txBody>
+          <a:bodyPr wrap="none" rtlCol="0">
+            <a:spAutoFit/>
+          </a:bodyPr>
+          <a:lstStyle/>
+          <a:p>
+            <a:r>
+              <a:rPr kumimoji="1" lang="ja-JP" altLang="en-US" dirty="0"/>
+              <a:t>カウンターが決まると</a:t>
+            </a:r>
+            <a:endParaRPr kumimoji="1" lang="en-US" altLang="ja-JP" dirty="0"/>
+          </a:p>
+          <a:p>
+            <a:r>
+              <a:rPr lang="ja-JP" altLang="en-US" dirty="0"/>
+              <a:t>・</a:t>
+            </a:r>
+            <a:r>
+              <a:rPr kumimoji="1" lang="ja-JP" altLang="en-US" dirty="0"/>
+              <a:t>警戒ゲージを下げれる</a:t>
+            </a:r>
+            <a:endParaRPr lang="en-US" altLang="ja-JP" dirty="0"/>
+          </a:p>
+          <a:p>
+            <a:r>
+              <a:rPr kumimoji="1" lang="ja-JP" altLang="en-US" dirty="0"/>
+              <a:t>・瞬発力が研ぎ澄まされて移動速度が上がる</a:t>
+            </a:r>
+            <a:endParaRPr kumimoji="1" lang="en-US" altLang="ja-JP" dirty="0"/>
+          </a:p>
+        </p:txBody>
+      </p:sp>
+      <p:sp>
+        <p:nvSpPr>
+          <p:cNvPr id="11" name="テキスト ボックス 10">
+            <a:extLst>
+              <a:ext uri="{FF2B5EF4-FFF2-40B4-BE49-F238E27FC236}">
+                <a16:creationId xmlns:a16="http://schemas.microsoft.com/office/drawing/2014/main" id="{125B5880-7B8F-4FBF-A259-555C2D541BBD}"/>
+              </a:ext>
+            </a:extLst>
+          </p:cNvPr>
+          <p:cNvSpPr txBox="1"/>
+          <p:nvPr/>
+        </p:nvSpPr>
+        <p:spPr>
+          <a:xfrm>
+            <a:off x="6664829" y="3965748"/>
+            <a:ext cx="3185487" cy="369332"/>
+          </a:xfrm>
+          <a:prstGeom prst="rect">
+            <a:avLst/>
+          </a:prstGeom>
+          <a:noFill/>
+        </p:spPr>
+        <p:txBody>
+          <a:bodyPr wrap="none" rtlCol="0">
+            <a:spAutoFit/>
+          </a:bodyPr>
+          <a:lstStyle/>
+          <a:p>
+            <a:r>
+              <a:rPr kumimoji="1" lang="ja-JP" altLang="en-US" dirty="0"/>
+              <a:t>撤退地点に到着すると</a:t>
+            </a:r>
+            <a:r>
+              <a:rPr lang="ja-JP" altLang="en-US" dirty="0"/>
+              <a:t>クリア</a:t>
+            </a:r>
+            <a:endParaRPr kumimoji="1" lang="ja-JP" altLang="en-US" dirty="0"/>
+          </a:p>
+        </p:txBody>
+      </p:sp>
+      <p:sp>
+        <p:nvSpPr>
+          <p:cNvPr id="12" name="テキスト ボックス 11">
+            <a:extLst>
+              <a:ext uri="{FF2B5EF4-FFF2-40B4-BE49-F238E27FC236}">
+                <a16:creationId xmlns:a16="http://schemas.microsoft.com/office/drawing/2014/main" id="{3272636D-F5E2-44F4-BD30-3FE79323B4DB}"/>
+              </a:ext>
+            </a:extLst>
+          </p:cNvPr>
+          <p:cNvSpPr txBox="1"/>
+          <p:nvPr/>
+        </p:nvSpPr>
+        <p:spPr>
+          <a:xfrm>
+            <a:off x="6624018" y="3609560"/>
+            <a:ext cx="3877985" cy="369332"/>
+          </a:xfrm>
+          <a:prstGeom prst="rect">
+            <a:avLst/>
+          </a:prstGeom>
+          <a:noFill/>
+        </p:spPr>
+        <p:txBody>
+          <a:bodyPr wrap="none" rtlCol="0">
+            <a:spAutoFit/>
+          </a:bodyPr>
+          <a:lstStyle/>
+          <a:p>
+            <a:r>
+              <a:rPr kumimoji="1" lang="ja-JP" altLang="en-US" dirty="0"/>
+              <a:t>警戒ゲージが最大になると任務失敗</a:t>
+            </a:r>
+          </a:p>
+        </p:txBody>
+      </p:sp>
+      <p:sp>
+        <p:nvSpPr>
+          <p:cNvPr id="3" name="テキスト ボックス 2">
+            <a:extLst>
+              <a:ext uri="{FF2B5EF4-FFF2-40B4-BE49-F238E27FC236}">
+                <a16:creationId xmlns:a16="http://schemas.microsoft.com/office/drawing/2014/main" id="{CE91403C-274E-4FF8-8682-AA80813B886A}"/>
+              </a:ext>
+            </a:extLst>
+          </p:cNvPr>
+          <p:cNvSpPr txBox="1"/>
+          <p:nvPr/>
+        </p:nvSpPr>
+        <p:spPr>
+          <a:xfrm>
+            <a:off x="6069168" y="855128"/>
+            <a:ext cx="1800493" cy="369332"/>
+          </a:xfrm>
+          <a:prstGeom prst="rect">
+            <a:avLst/>
+          </a:prstGeom>
+          <a:noFill/>
+        </p:spPr>
+        <p:txBody>
+          <a:bodyPr wrap="none" rtlCol="0">
+            <a:spAutoFit/>
+          </a:bodyPr>
+          <a:lstStyle/>
+          <a:p>
+            <a:r>
+              <a:rPr kumimoji="1" lang="ja-JP" altLang="en-US" dirty="0"/>
+              <a:t>見つかりに行く</a:t>
+            </a:r>
+          </a:p>
+        </p:txBody>
+      </p:sp>
+      <p:sp>
+        <p:nvSpPr>
+          <p:cNvPr id="6" name="テキスト ボックス 5">
+            <a:extLst>
+              <a:ext uri="{FF2B5EF4-FFF2-40B4-BE49-F238E27FC236}">
+                <a16:creationId xmlns:a16="http://schemas.microsoft.com/office/drawing/2014/main" id="{FF10E07C-0D1D-4D5E-AA37-CC08CEB1E141}"/>
+              </a:ext>
+            </a:extLst>
+          </p:cNvPr>
+          <p:cNvSpPr txBox="1"/>
+          <p:nvPr/>
+        </p:nvSpPr>
+        <p:spPr>
+          <a:xfrm>
+            <a:off x="6787662" y="1960685"/>
+            <a:ext cx="2031325" cy="369332"/>
+          </a:xfrm>
+          <a:prstGeom prst="rect">
+            <a:avLst/>
+          </a:prstGeom>
+          <a:noFill/>
+        </p:spPr>
+        <p:txBody>
+          <a:bodyPr wrap="none" rtlCol="0">
+            <a:spAutoFit/>
+          </a:bodyPr>
+          <a:lstStyle/>
+          <a:p>
+            <a:r>
+              <a:rPr kumimoji="1" lang="ja-JP" altLang="en-US" dirty="0"/>
+              <a:t>足止めだけにする</a:t>
+            </a:r>
+          </a:p>
+        </p:txBody>
+      </p:sp>
+      <p:sp>
+        <p:nvSpPr>
+          <p:cNvPr id="13" name="テキスト ボックス 12">
+            <a:extLst>
+              <a:ext uri="{FF2B5EF4-FFF2-40B4-BE49-F238E27FC236}">
+                <a16:creationId xmlns:a16="http://schemas.microsoft.com/office/drawing/2014/main" id="{63B488E6-413D-4270-AA92-3ADB21613BD0}"/>
+              </a:ext>
+            </a:extLst>
+          </p:cNvPr>
+          <p:cNvSpPr txBox="1"/>
+          <p:nvPr/>
+        </p:nvSpPr>
+        <p:spPr>
+          <a:xfrm>
+            <a:off x="6884377" y="2417885"/>
+            <a:ext cx="2954655" cy="369332"/>
+          </a:xfrm>
+          <a:prstGeom prst="rect">
+            <a:avLst/>
+          </a:prstGeom>
+          <a:noFill/>
+        </p:spPr>
+        <p:txBody>
+          <a:bodyPr wrap="none" rtlCol="0">
+            <a:spAutoFit/>
+          </a:bodyPr>
+          <a:lstStyle/>
+          <a:p>
+            <a:r>
+              <a:rPr kumimoji="1" lang="ja-JP" altLang="en-US" dirty="0"/>
+              <a:t>攻撃を</a:t>
+            </a:r>
+            <a:r>
+              <a:rPr lang="ja-JP" altLang="en-US" dirty="0"/>
+              <a:t>できない状態にする</a:t>
+            </a:r>
+            <a:endParaRPr kumimoji="1" lang="ja-JP" altLang="en-US" dirty="0"/>
+          </a:p>
+        </p:txBody>
+      </p:sp>
+      <p:sp>
+        <p:nvSpPr>
+          <p:cNvPr id="14" name="テキスト ボックス 13">
+            <a:extLst>
+              <a:ext uri="{FF2B5EF4-FFF2-40B4-BE49-F238E27FC236}">
+                <a16:creationId xmlns:a16="http://schemas.microsoft.com/office/drawing/2014/main" id="{80C8652E-FA6E-4B89-87D1-A0A964D17FC5}"/>
+              </a:ext>
+            </a:extLst>
+          </p:cNvPr>
+          <p:cNvSpPr txBox="1"/>
+          <p:nvPr/>
+        </p:nvSpPr>
+        <p:spPr>
+          <a:xfrm>
+            <a:off x="3103685" y="5802923"/>
+            <a:ext cx="2723823" cy="369332"/>
+          </a:xfrm>
+          <a:prstGeom prst="rect">
+            <a:avLst/>
+          </a:prstGeom>
+          <a:noFill/>
+        </p:spPr>
+        <p:txBody>
+          <a:bodyPr wrap="none" rtlCol="0">
+            <a:spAutoFit/>
+          </a:bodyPr>
+          <a:lstStyle/>
+          <a:p>
+            <a:r>
+              <a:rPr kumimoji="1" lang="ja-JP" altLang="en-US" dirty="0" err="1"/>
+              <a:t>げっとあぐりっぷちっぷ</a:t>
+            </a:r>
+            <a:endParaRPr kumimoji="1" lang="ja-JP" altLang="en-US" dirty="0"/>
           </a:p>
         </p:txBody>
       </p:sp>
     </p:spTree>
     <p:extLst>
       <p:ext uri="{BB962C8B-B14F-4D97-AF65-F5344CB8AC3E}">
-        <p14:creationId xmlns:p14="http://schemas.microsoft.com/office/powerpoint/2010/main" val="2239028372"/>
+        <p14:creationId xmlns:p14="http://schemas.microsoft.com/office/powerpoint/2010/main" val="4020630899"/>
       </p:ext>
     </p:extLst>
   </p:cSld>
@@ -5164,4 +6527,299 @@
     </a:ext>
   </a:extLst>
 </a:theme>
+</file>
+
+<file path=ppt/theme/theme2.xml><?xml version="1.0" encoding="utf-8"?>
+<a:theme xmlns:a="http://schemas.openxmlformats.org/drawingml/2006/main" name="Office テーマ">
+  <a:themeElements>
+    <a:clrScheme name="Office">
+      <a:dk1>
+        <a:sysClr val="windowText" lastClr="000000"/>
+      </a:dk1>
+      <a:lt1>
+        <a:sysClr val="window" lastClr="FFFFFF"/>
+      </a:lt1>
+      <a:dk2>
+        <a:srgbClr val="44546A"/>
+      </a:dk2>
+      <a:lt2>
+        <a:srgbClr val="E7E6E6"/>
+      </a:lt2>
+      <a:accent1>
+        <a:srgbClr val="4472C4"/>
+      </a:accent1>
+      <a:accent2>
+        <a:srgbClr val="ED7D31"/>
+      </a:accent2>
+      <a:accent3>
+        <a:srgbClr val="A5A5A5"/>
+      </a:accent3>
+      <a:accent4>
+        <a:srgbClr val="FFC000"/>
+      </a:accent4>
+      <a:accent5>
+        <a:srgbClr val="5B9BD5"/>
+      </a:accent5>
+      <a:accent6>
+        <a:srgbClr val="70AD47"/>
+      </a:accent6>
+      <a:hlink>
+        <a:srgbClr val="0563C1"/>
+      </a:hlink>
+      <a:folHlink>
+        <a:srgbClr val="954F72"/>
+      </a:folHlink>
+    </a:clrScheme>
+    <a:fontScheme name="Office">
+      <a:majorFont>
+        <a:latin typeface="游ゴシック Light" panose="020F0302020204030204"/>
+        <a:ea typeface=""/>
+        <a:cs typeface=""/>
+        <a:font script="Jpan" typeface="游ゴシック Light"/>
+        <a:font script="Hang" typeface="맑은 고딕"/>
+        <a:font script="Hans" typeface="等线 Light"/>
+        <a:font script="Hant" typeface="新細明體"/>
+        <a:font script="Arab" typeface="Times New Roman"/>
+        <a:font script="Hebr" typeface="Times New Roman"/>
+        <a:font script="Thai" typeface="Angsana New"/>
+        <a:font script="Ethi" typeface="Nyala"/>
+        <a:font script="Beng" typeface="Vrinda"/>
+        <a:font script="Gujr" typeface="Shruti"/>
+        <a:font script="Khmr" typeface="MoolBoran"/>
+        <a:font script="Knda" typeface="Tunga"/>
+        <a:font script="Guru" typeface="Raavi"/>
+        <a:font script="Cans" typeface="Euphemia"/>
+        <a:font script="Cher" typeface="Plantagenet Cherokee"/>
+        <a:font script="Yiii" typeface="Microsoft Yi Baiti"/>
+        <a:font script="Tibt" typeface="Microsoft Himalaya"/>
+        <a:font script="Thaa" typeface="MV Boli"/>
+        <a:font script="Deva" typeface="Mangal"/>
+        <a:font script="Telu" typeface="Gautami"/>
+        <a:font script="Taml" typeface="Latha"/>
+        <a:font script="Syrc" typeface="Estrangelo Edessa"/>
+        <a:font script="Orya" typeface="Kalinga"/>
+        <a:font script="Mlym" typeface="Kartika"/>
+        <a:font script="Laoo" typeface="DokChampa"/>
+        <a:font script="Sinh" typeface="Iskoola Pota"/>
+        <a:font script="Mong" typeface="Mongolian Baiti"/>
+        <a:font script="Viet" typeface="Times New Roman"/>
+        <a:font script="Uigh" typeface="Microsoft Uighur"/>
+        <a:font script="Geor" typeface="Sylfaen"/>
+        <a:font script="Armn" typeface="Arial"/>
+        <a:font script="Bugi" typeface="Leelawadee UI"/>
+        <a:font script="Bopo" typeface="Microsoft JhengHei"/>
+        <a:font script="Java" typeface="Javanese Text"/>
+        <a:font script="Lisu" typeface="Segoe UI"/>
+        <a:font script="Mymr" typeface="Myanmar Text"/>
+        <a:font script="Nkoo" typeface="Ebrima"/>
+        <a:font script="Olck" typeface="Nirmala UI"/>
+        <a:font script="Osma" typeface="Ebrima"/>
+        <a:font script="Phag" typeface="Phagspa"/>
+        <a:font script="Syrn" typeface="Estrangelo Edessa"/>
+        <a:font script="Syrj" typeface="Estrangelo Edessa"/>
+        <a:font script="Syre" typeface="Estrangelo Edessa"/>
+        <a:font script="Sora" typeface="Nirmala UI"/>
+        <a:font script="Tale" typeface="Microsoft Tai Le"/>
+        <a:font script="Talu" typeface="Microsoft New Tai Lue"/>
+        <a:font script="Tfng" typeface="Ebrima"/>
+      </a:majorFont>
+      <a:minorFont>
+        <a:latin typeface="游ゴシック" panose="020F0502020204030204"/>
+        <a:ea typeface=""/>
+        <a:cs typeface=""/>
+        <a:font script="Jpan" typeface="游ゴシック"/>
+        <a:font script="Hang" typeface="맑은 고딕"/>
+        <a:font script="Hans" typeface="等线"/>
+        <a:font script="Hant" typeface="新細明體"/>
+        <a:font script="Arab" typeface="Arial"/>
+        <a:font script="Hebr" typeface="Arial"/>
+        <a:font script="Thai" typeface="Cordia New"/>
+        <a:font script="Ethi" typeface="Nyala"/>
+        <a:font script="Beng" typeface="Vrinda"/>
+        <a:font script="Gujr" typeface="Shruti"/>
+        <a:font script="Khmr" typeface="DaunPenh"/>
+        <a:font script="Knda" typeface="Tunga"/>
+        <a:font script="Guru" typeface="Raavi"/>
+        <a:font script="Cans" typeface="Euphemia"/>
+        <a:font script="Cher" typeface="Plantagenet Cherokee"/>
+        <a:font script="Yiii" typeface="Microsoft Yi Baiti"/>
+        <a:font script="Tibt" typeface="Microsoft Himalaya"/>
+        <a:font script="Thaa" typeface="MV Boli"/>
+        <a:font script="Deva" typeface="Mangal"/>
+        <a:font script="Telu" typeface="Gautami"/>
+        <a:font script="Taml" typeface="Latha"/>
+        <a:font script="Syrc" typeface="Estrangelo Edessa"/>
+        <a:font script="Orya" typeface="Kalinga"/>
+        <a:font script="Mlym" typeface="Kartika"/>
+        <a:font script="Laoo" typeface="DokChampa"/>
+        <a:font script="Sinh" typeface="Iskoola Pota"/>
+        <a:font script="Mong" typeface="Mongolian Baiti"/>
+        <a:font script="Viet" typeface="Arial"/>
+        <a:font script="Uigh" typeface="Microsoft Uighur"/>
+        <a:font script="Geor" typeface="Sylfaen"/>
+        <a:font script="Armn" typeface="Arial"/>
+        <a:font script="Bugi" typeface="Leelawadee UI"/>
+        <a:font script="Bopo" typeface="Microsoft JhengHei"/>
+        <a:font script="Java" typeface="Javanese Text"/>
+        <a:font script="Lisu" typeface="Segoe UI"/>
+        <a:font script="Mymr" typeface="Myanmar Text"/>
+        <a:font script="Nkoo" typeface="Ebrima"/>
+        <a:font script="Olck" typeface="Nirmala UI"/>
+        <a:font script="Osma" typeface="Ebrima"/>
+        <a:font script="Phag" typeface="Phagspa"/>
+        <a:font script="Syrn" typeface="Estrangelo Edessa"/>
+        <a:font script="Syrj" typeface="Estrangelo Edessa"/>
+        <a:font script="Syre" typeface="Estrangelo Edessa"/>
+        <a:font script="Sora" typeface="Nirmala UI"/>
+        <a:font script="Tale" typeface="Microsoft Tai Le"/>
+        <a:font script="Talu" typeface="Microsoft New Tai Lue"/>
+        <a:font script="Tfng" typeface="Ebrima"/>
+      </a:minorFont>
+    </a:fontScheme>
+    <a:fmtScheme name="Office">
+      <a:fillStyleLst>
+        <a:solidFill>
+          <a:schemeClr val="phClr"/>
+        </a:solidFill>
+        <a:gradFill rotWithShape="1">
+          <a:gsLst>
+            <a:gs pos="0">
+              <a:schemeClr val="phClr">
+                <a:lumMod val="110000"/>
+                <a:satMod val="105000"/>
+                <a:tint val="67000"/>
+              </a:schemeClr>
+            </a:gs>
+            <a:gs pos="50000">
+              <a:schemeClr val="phClr">
+                <a:lumMod val="105000"/>
+                <a:satMod val="103000"/>
+                <a:tint val="73000"/>
+              </a:schemeClr>
+            </a:gs>
+            <a:gs pos="100000">
+              <a:schemeClr val="phClr">
+                <a:lumMod val="105000"/>
+                <a:satMod val="109000"/>
+                <a:tint val="81000"/>
+              </a:schemeClr>
+            </a:gs>
+          </a:gsLst>
+          <a:lin ang="5400000" scaled="0"/>
+        </a:gradFill>
+        <a:gradFill rotWithShape="1">
+          <a:gsLst>
+            <a:gs pos="0">
+              <a:schemeClr val="phClr">
+                <a:satMod val="103000"/>
+                <a:lumMod val="102000"/>
+                <a:tint val="94000"/>
+              </a:schemeClr>
+            </a:gs>
+            <a:gs pos="50000">
+              <a:schemeClr val="phClr">
+                <a:satMod val="110000"/>
+                <a:lumMod val="100000"/>
+                <a:shade val="100000"/>
+              </a:schemeClr>
+            </a:gs>
+            <a:gs pos="100000">
+              <a:schemeClr val="phClr">
+                <a:lumMod val="99000"/>
+                <a:satMod val="120000"/>
+                <a:shade val="78000"/>
+              </a:schemeClr>
+            </a:gs>
+          </a:gsLst>
+          <a:lin ang="5400000" scaled="0"/>
+        </a:gradFill>
+      </a:fillStyleLst>
+      <a:lnStyleLst>
+        <a:ln w="6350" cap="flat" cmpd="sng" algn="ctr">
+          <a:solidFill>
+            <a:schemeClr val="phClr"/>
+          </a:solidFill>
+          <a:prstDash val="solid"/>
+          <a:miter lim="800000"/>
+        </a:ln>
+        <a:ln w="12700" cap="flat" cmpd="sng" algn="ctr">
+          <a:solidFill>
+            <a:schemeClr val="phClr"/>
+          </a:solidFill>
+          <a:prstDash val="solid"/>
+          <a:miter lim="800000"/>
+        </a:ln>
+        <a:ln w="19050" cap="flat" cmpd="sng" algn="ctr">
+          <a:solidFill>
+            <a:schemeClr val="phClr"/>
+          </a:solidFill>
+          <a:prstDash val="solid"/>
+          <a:miter lim="800000"/>
+        </a:ln>
+      </a:lnStyleLst>
+      <a:effectStyleLst>
+        <a:effectStyle>
+          <a:effectLst/>
+        </a:effectStyle>
+        <a:effectStyle>
+          <a:effectLst/>
+        </a:effectStyle>
+        <a:effectStyle>
+          <a:effectLst>
+            <a:outerShdw blurRad="57150" dist="19050" dir="5400000" algn="ctr" rotWithShape="0">
+              <a:srgbClr val="000000">
+                <a:alpha val="63000"/>
+              </a:srgbClr>
+            </a:outerShdw>
+          </a:effectLst>
+        </a:effectStyle>
+      </a:effectStyleLst>
+      <a:bgFillStyleLst>
+        <a:solidFill>
+          <a:schemeClr val="phClr"/>
+        </a:solidFill>
+        <a:solidFill>
+          <a:schemeClr val="phClr">
+            <a:tint val="95000"/>
+            <a:satMod val="170000"/>
+          </a:schemeClr>
+        </a:solidFill>
+        <a:gradFill rotWithShape="1">
+          <a:gsLst>
+            <a:gs pos="0">
+              <a:schemeClr val="phClr">
+                <a:tint val="93000"/>
+                <a:satMod val="150000"/>
+                <a:shade val="98000"/>
+                <a:lumMod val="102000"/>
+              </a:schemeClr>
+            </a:gs>
+            <a:gs pos="50000">
+              <a:schemeClr val="phClr">
+                <a:tint val="98000"/>
+                <a:satMod val="130000"/>
+                <a:shade val="90000"/>
+                <a:lumMod val="103000"/>
+              </a:schemeClr>
+            </a:gs>
+            <a:gs pos="100000">
+              <a:schemeClr val="phClr">
+                <a:shade val="63000"/>
+                <a:satMod val="120000"/>
+              </a:schemeClr>
+            </a:gs>
+          </a:gsLst>
+          <a:lin ang="5400000" scaled="0"/>
+        </a:gradFill>
+      </a:bgFillStyleLst>
+    </a:fmtScheme>
+  </a:themeElements>
+  <a:objectDefaults/>
+  <a:extraClrSchemeLst/>
+  <a:extLst>
+    <a:ext uri="{05A4C25C-085E-4340-85A3-A5531E510DB2}">
+      <thm15:themeFamily xmlns:thm15="http://schemas.microsoft.com/office/thememl/2012/main" name="Office Theme" id="{62F939B6-93AF-4DB8-9C6B-D6C7DFDC589F}" vid="{4A3C46E8-61CC-4603-A589-7422A47A8E4A}"/>
+    </a:ext>
+  </a:extLst>
+</a:theme>
 </file>